--- a/기획문서/중간발표/Aww_중간발표_2.pptx
+++ b/기획문서/중간발표/Aww_중간발표_2.pptx
@@ -5,26 +5,24 @@
     <p:sldMasterId id="2147483648" r:id="rId1"/>
   </p:sldMasterIdLst>
   <p:notesMasterIdLst>
-    <p:notesMasterId r:id="rId16"/>
+    <p:notesMasterId r:id="rId14"/>
   </p:notesMasterIdLst>
   <p:handoutMasterIdLst>
-    <p:handoutMasterId r:id="rId17"/>
+    <p:handoutMasterId r:id="rId15"/>
   </p:handoutMasterIdLst>
   <p:sldIdLst>
     <p:sldId id="256" r:id="rId2"/>
     <p:sldId id="257" r:id="rId3"/>
     <p:sldId id="258" r:id="rId4"/>
     <p:sldId id="269" r:id="rId5"/>
-    <p:sldId id="270" r:id="rId6"/>
-    <p:sldId id="260" r:id="rId7"/>
-    <p:sldId id="282" r:id="rId8"/>
-    <p:sldId id="283" r:id="rId9"/>
-    <p:sldId id="271" r:id="rId10"/>
-    <p:sldId id="264" r:id="rId11"/>
-    <p:sldId id="279" r:id="rId12"/>
-    <p:sldId id="265" r:id="rId13"/>
-    <p:sldId id="280" r:id="rId14"/>
-    <p:sldId id="284" r:id="rId15"/>
+    <p:sldId id="260" r:id="rId6"/>
+    <p:sldId id="282" r:id="rId7"/>
+    <p:sldId id="271" r:id="rId8"/>
+    <p:sldId id="264" r:id="rId9"/>
+    <p:sldId id="279" r:id="rId10"/>
+    <p:sldId id="265" r:id="rId11"/>
+    <p:sldId id="280" r:id="rId12"/>
+    <p:sldId id="284" r:id="rId13"/>
   </p:sldIdLst>
   <p:sldSz cx="12192000" cy="6858000"/>
   <p:notesSz cx="6858000" cy="9144000"/>
@@ -125,7 +123,7 @@
   </p:defaultTextStyle>
   <p:extLst>
     <p:ext uri="{EFAFB233-063F-42B5-8137-9DF3F51BA10A}">
-      <p15:sldGuideLst xmlns="" xmlns:p15="http://schemas.microsoft.com/office/powerpoint/2012/main">
+      <p15:sldGuideLst xmlns:p15="http://schemas.microsoft.com/office/powerpoint/2012/main" xmlns="">
         <p15:guide id="1" orient="horz" pos="2160">
           <p15:clr>
             <a:srgbClr val="A4A3A4"/>
@@ -224,7 +222,7 @@
           <a:p>
             <a:fld id="{C01DA57C-525A-483D-BB95-B3AA2178D15B}" type="datetimeFigureOut">
               <a:rPr lang="ko-KR" altLang="en-US" smtClean="0"/>
-              <a:t>2016-05-11</a:t>
+              <a:t>2016-05-12</a:t>
             </a:fld>
             <a:endParaRPr lang="ko-KR" altLang="en-US"/>
           </a:p>
@@ -390,7 +388,7 @@
           <a:p>
             <a:fld id="{6C359908-2688-4626-9703-D941A7507AB5}" type="datetimeFigureOut">
               <a:rPr lang="ko-KR" altLang="en-US" smtClean="0"/>
-              <a:t>2016-05-11</a:t>
+              <a:t>2016-05-12</a:t>
             </a:fld>
             <a:endParaRPr lang="ko-KR" altLang="en-US"/>
           </a:p>
@@ -872,7 +870,7 @@
           <a:p>
             <a:fld id="{CA8DE845-1C5F-416F-8617-C1B7363F8B26}" type="datetime1">
               <a:rPr lang="ko-KR" altLang="en-US" smtClean="0"/>
-              <a:t>2016-05-11</a:t>
+              <a:t>2016-05-12</a:t>
             </a:fld>
             <a:endParaRPr lang="ko-KR" altLang="en-US"/>
           </a:p>
@@ -1040,7 +1038,7 @@
           <a:p>
             <a:fld id="{14E1F7A5-A2D4-4285-8C4D-AE53052C11C4}" type="datetime1">
               <a:rPr lang="ko-KR" altLang="en-US" smtClean="0"/>
-              <a:t>2016-05-11</a:t>
+              <a:t>2016-05-12</a:t>
             </a:fld>
             <a:endParaRPr lang="ko-KR" altLang="en-US"/>
           </a:p>
@@ -1218,7 +1216,7 @@
           <a:p>
             <a:fld id="{9A883F9D-8B82-4233-9BC2-42F15A67E5D6}" type="datetime1">
               <a:rPr lang="ko-KR" altLang="en-US" smtClean="0"/>
-              <a:t>2016-05-11</a:t>
+              <a:t>2016-05-12</a:t>
             </a:fld>
             <a:endParaRPr lang="ko-KR" altLang="en-US"/>
           </a:p>
@@ -1386,7 +1384,7 @@
           <a:p>
             <a:fld id="{C35F1DFC-B93C-4C57-9324-B134FB45B096}" type="datetime1">
               <a:rPr lang="ko-KR" altLang="en-US" smtClean="0"/>
-              <a:t>2016-05-11</a:t>
+              <a:t>2016-05-12</a:t>
             </a:fld>
             <a:endParaRPr lang="ko-KR" altLang="en-US"/>
           </a:p>
@@ -1631,7 +1629,7 @@
           <a:p>
             <a:fld id="{71097BF1-679B-4D2F-BFD1-99FEF4C1D1C4}" type="datetime1">
               <a:rPr lang="ko-KR" altLang="en-US" smtClean="0"/>
-              <a:t>2016-05-11</a:t>
+              <a:t>2016-05-12</a:t>
             </a:fld>
             <a:endParaRPr lang="ko-KR" altLang="en-US"/>
           </a:p>
@@ -1860,7 +1858,7 @@
           <a:p>
             <a:fld id="{72E2C973-E4AD-4205-9865-908439E67FC9}" type="datetime1">
               <a:rPr lang="ko-KR" altLang="en-US" smtClean="0"/>
-              <a:t>2016-05-11</a:t>
+              <a:t>2016-05-12</a:t>
             </a:fld>
             <a:endParaRPr lang="ko-KR" altLang="en-US"/>
           </a:p>
@@ -2224,7 +2222,7 @@
           <a:p>
             <a:fld id="{F1630B2A-53DD-4733-A408-785D91974C35}" type="datetime1">
               <a:rPr lang="ko-KR" altLang="en-US" smtClean="0"/>
-              <a:t>2016-05-11</a:t>
+              <a:t>2016-05-12</a:t>
             </a:fld>
             <a:endParaRPr lang="ko-KR" altLang="en-US"/>
           </a:p>
@@ -2341,7 +2339,7 @@
           <a:p>
             <a:fld id="{8846F695-B098-42F1-BACD-30E47BB2D026}" type="datetime1">
               <a:rPr lang="ko-KR" altLang="en-US" smtClean="0"/>
-              <a:t>2016-05-11</a:t>
+              <a:t>2016-05-12</a:t>
             </a:fld>
             <a:endParaRPr lang="ko-KR" altLang="en-US"/>
           </a:p>
@@ -2436,7 +2434,7 @@
           <a:p>
             <a:fld id="{F9CFE27F-5504-4361-9D82-76FE96C876B0}" type="datetime1">
               <a:rPr lang="ko-KR" altLang="en-US" smtClean="0"/>
-              <a:t>2016-05-11</a:t>
+              <a:t>2016-05-12</a:t>
             </a:fld>
             <a:endParaRPr lang="ko-KR" altLang="en-US"/>
           </a:p>
@@ -2711,7 +2709,7 @@
           <a:p>
             <a:fld id="{3CB31587-26D7-45EA-BAD0-DC6A80ED7590}" type="datetime1">
               <a:rPr lang="ko-KR" altLang="en-US" smtClean="0"/>
-              <a:t>2016-05-11</a:t>
+              <a:t>2016-05-12</a:t>
             </a:fld>
             <a:endParaRPr lang="ko-KR" altLang="en-US"/>
           </a:p>
@@ -2963,7 +2961,7 @@
           <a:p>
             <a:fld id="{EA06E6AC-7C5B-4CDC-926B-2F658D6B625C}" type="datetime1">
               <a:rPr lang="ko-KR" altLang="en-US" smtClean="0"/>
-              <a:t>2016-05-11</a:t>
+              <a:t>2016-05-12</a:t>
             </a:fld>
             <a:endParaRPr lang="ko-KR" altLang="en-US"/>
           </a:p>
@@ -3184,7 +3182,7 @@
           <a:p>
             <a:fld id="{84CA5D6B-1B3B-401D-8CC9-327BB51EC254}" type="datetime1">
               <a:rPr lang="ko-KR" altLang="en-US" smtClean="0"/>
-              <a:t>2016-05-11</a:t>
+              <a:t>2016-05-12</a:t>
             </a:fld>
             <a:endParaRPr lang="ko-KR" altLang="en-US"/>
           </a:p>
@@ -3868,694 +3866,28 @@
           <a:lstStyle/>
           <a:p>
             <a:r>
-              <a:rPr lang="en-US" altLang="ko-KR" b="1" dirty="0"/>
+              <a:rPr lang="en-US" altLang="ko-KR" dirty="0"/>
               <a:t/>
             </a:r>
             <a:br>
-              <a:rPr lang="en-US" altLang="ko-KR" b="1" dirty="0"/>
+              <a:rPr lang="en-US" altLang="ko-KR" dirty="0"/>
             </a:br>
             <a:r>
-              <a:rPr lang="en-US" altLang="ko-KR" b="1" dirty="0"/>
-              <a:t>6</a:t>
-            </a:r>
-            <a:r>
               <a:rPr lang="en-US" altLang="ko-KR" b="1" dirty="0" smtClean="0"/>
-              <a:t>. </a:t>
+              <a:t>7. </a:t>
+            </a:r>
+            <a:r>
+              <a:rPr lang="ko-KR" altLang="en-US" b="1" dirty="0" smtClean="0"/>
+              <a:t>데모시연 </a:t>
             </a:r>
             <a:r>
               <a:rPr lang="ko-KR" altLang="en-US" b="1" dirty="0"/>
-              <a:t>개발 환경</a:t>
-            </a:r>
-            <a:r>
-              <a:rPr lang="en-US" altLang="ko-KR" b="1" dirty="0"/>
               <a:t/>
             </a:r>
             <a:br>
-              <a:rPr lang="en-US" altLang="ko-KR" b="1" dirty="0"/>
+              <a:rPr lang="ko-KR" altLang="en-US" b="1" dirty="0"/>
             </a:br>
             <a:endParaRPr lang="ko-KR" altLang="en-US" dirty="0"/>
-          </a:p>
-        </p:txBody>
-      </p:sp>
-      <p:sp>
-        <p:nvSpPr>
-          <p:cNvPr id="3" name="내용 개체 틀 2"/>
-          <p:cNvSpPr>
-            <a:spLocks noGrp="1"/>
-          </p:cNvSpPr>
-          <p:nvPr>
-            <p:ph idx="1"/>
-          </p:nvPr>
-        </p:nvSpPr>
-        <p:spPr/>
-        <p:txBody>
-          <a:bodyPr/>
-          <a:lstStyle/>
-          <a:p>
-            <a:endParaRPr lang="en-US" altLang="ko-KR" dirty="0"/>
-          </a:p>
-          <a:p>
-            <a:endParaRPr lang="en-US" altLang="ko-KR" dirty="0"/>
-          </a:p>
-          <a:p>
-            <a:pPr marL="0" indent="0">
-              <a:buNone/>
-            </a:pPr>
-            <a:endParaRPr lang="en-US" altLang="ko-KR" dirty="0"/>
-          </a:p>
-        </p:txBody>
-      </p:sp>
-      <p:grpSp>
-        <p:nvGrpSpPr>
-          <p:cNvPr id="5" name="Group 4"/>
-          <p:cNvGrpSpPr/>
-          <p:nvPr/>
-        </p:nvGrpSpPr>
-        <p:grpSpPr>
-          <a:xfrm>
-            <a:off x="1852196" y="4571255"/>
-            <a:ext cx="2882520" cy="1444926"/>
-            <a:chOff x="160663" y="4533987"/>
-            <a:chExt cx="2882520" cy="1444926"/>
-          </a:xfrm>
-        </p:grpSpPr>
-        <p:pic>
-          <p:nvPicPr>
-            <p:cNvPr id="6" name="Picture 5"/>
-            <p:cNvPicPr>
-              <a:picLocks noChangeAspect="1"/>
-            </p:cNvPicPr>
-            <p:nvPr/>
-          </p:nvPicPr>
-          <p:blipFill>
-            <a:blip r:embed="rId2" cstate="print">
-              <a:extLst>
-                <a:ext uri="{28A0092B-C50C-407E-A947-70E740481C1C}">
-                  <a14:useLocalDpi xmlns:a14="http://schemas.microsoft.com/office/drawing/2010/main" val="0"/>
-                </a:ext>
-              </a:extLst>
-            </a:blip>
-            <a:stretch>
-              <a:fillRect/>
-            </a:stretch>
-          </p:blipFill>
-          <p:spPr>
-            <a:xfrm>
-              <a:off x="652282" y="4533987"/>
-              <a:ext cx="1899283" cy="920705"/>
-            </a:xfrm>
-            <a:prstGeom prst="rect">
-              <a:avLst/>
-            </a:prstGeom>
-          </p:spPr>
-        </p:pic>
-        <p:sp>
-          <p:nvSpPr>
-            <p:cNvPr id="7" name="Rectangle 6"/>
-            <p:cNvSpPr/>
-            <p:nvPr/>
-          </p:nvSpPr>
-          <p:spPr>
-            <a:xfrm>
-              <a:off x="160663" y="5671136"/>
-              <a:ext cx="2882520" cy="307777"/>
-            </a:xfrm>
-            <a:prstGeom prst="rect">
-              <a:avLst/>
-            </a:prstGeom>
-          </p:spPr>
-          <p:txBody>
-            <a:bodyPr wrap="none">
-              <a:spAutoFit/>
-            </a:bodyPr>
-            <a:lstStyle/>
-            <a:p>
-              <a:r>
-                <a:rPr lang="en-US" altLang="ko-KR" sz="1400" dirty="0"/>
-                <a:t>https://ko.wikipedia.org/wiki/PHP</a:t>
-              </a:r>
-              <a:endParaRPr lang="ko-KR" altLang="en-US" sz="1400" dirty="0"/>
-            </a:p>
-          </p:txBody>
-        </p:sp>
-      </p:grpSp>
-      <p:grpSp>
-        <p:nvGrpSpPr>
-          <p:cNvPr id="8" name="Group 7"/>
-          <p:cNvGrpSpPr/>
-          <p:nvPr/>
-        </p:nvGrpSpPr>
-        <p:grpSpPr>
-          <a:xfrm>
-            <a:off x="1828842" y="2415768"/>
-            <a:ext cx="2745727" cy="1275550"/>
-            <a:chOff x="229059" y="2359484"/>
-            <a:chExt cx="2745727" cy="1275550"/>
-          </a:xfrm>
-        </p:grpSpPr>
-        <p:pic>
-          <p:nvPicPr>
-            <p:cNvPr id="9" name="Picture 8"/>
-            <p:cNvPicPr>
-              <a:picLocks noChangeAspect="1"/>
-            </p:cNvPicPr>
-            <p:nvPr/>
-          </p:nvPicPr>
-          <p:blipFill>
-            <a:blip r:embed="rId3" cstate="print">
-              <a:extLst>
-                <a:ext uri="{28A0092B-C50C-407E-A947-70E740481C1C}">
-                  <a14:useLocalDpi xmlns:a14="http://schemas.microsoft.com/office/drawing/2010/main" val="0"/>
-                </a:ext>
-              </a:extLst>
-            </a:blip>
-            <a:stretch>
-              <a:fillRect/>
-            </a:stretch>
-          </p:blipFill>
-          <p:spPr>
-            <a:xfrm>
-              <a:off x="229059" y="2359484"/>
-              <a:ext cx="2745727" cy="823718"/>
-            </a:xfrm>
-            <a:prstGeom prst="rect">
-              <a:avLst/>
-            </a:prstGeom>
-          </p:spPr>
-        </p:pic>
-        <p:sp>
-          <p:nvSpPr>
-            <p:cNvPr id="10" name="Rectangle 9"/>
-            <p:cNvSpPr/>
-            <p:nvPr/>
-          </p:nvSpPr>
-          <p:spPr>
-            <a:xfrm>
-              <a:off x="359911" y="3327257"/>
-              <a:ext cx="2484022" cy="307777"/>
-            </a:xfrm>
-            <a:prstGeom prst="rect">
-              <a:avLst/>
-            </a:prstGeom>
-          </p:spPr>
-          <p:txBody>
-            <a:bodyPr wrap="square">
-              <a:spAutoFit/>
-            </a:bodyPr>
-            <a:lstStyle/>
-            <a:p>
-              <a:r>
-                <a:rPr lang="en-US" altLang="ko-KR" sz="1400" dirty="0"/>
-                <a:t>http://unity3d.com/kr/unity</a:t>
-              </a:r>
-              <a:endParaRPr lang="ko-KR" altLang="en-US" sz="1400" dirty="0"/>
-            </a:p>
-          </p:txBody>
-        </p:sp>
-      </p:grpSp>
-      <p:grpSp>
-        <p:nvGrpSpPr>
-          <p:cNvPr id="11" name="Group 10"/>
-          <p:cNvGrpSpPr/>
-          <p:nvPr/>
-        </p:nvGrpSpPr>
-        <p:grpSpPr>
-          <a:xfrm>
-            <a:off x="5056357" y="1656967"/>
-            <a:ext cx="2556285" cy="1388360"/>
-            <a:chOff x="3585723" y="2246674"/>
-            <a:chExt cx="2556285" cy="1388360"/>
-          </a:xfrm>
-        </p:grpSpPr>
-        <p:pic>
-          <p:nvPicPr>
-            <p:cNvPr id="12" name="Picture 11"/>
-            <p:cNvPicPr>
-              <a:picLocks noChangeAspect="1"/>
-            </p:cNvPicPr>
-            <p:nvPr/>
-          </p:nvPicPr>
-          <p:blipFill>
-            <a:blip r:embed="rId4">
-              <a:extLst>
-                <a:ext uri="{28A0092B-C50C-407E-A947-70E740481C1C}">
-                  <a14:useLocalDpi xmlns:a14="http://schemas.microsoft.com/office/drawing/2010/main" val="0"/>
-                </a:ext>
-              </a:extLst>
-            </a:blip>
-            <a:stretch>
-              <a:fillRect/>
-            </a:stretch>
-          </p:blipFill>
-          <p:spPr>
-            <a:xfrm>
-              <a:off x="3585723" y="2246674"/>
-              <a:ext cx="2556285" cy="1049339"/>
-            </a:xfrm>
-            <a:prstGeom prst="rect">
-              <a:avLst/>
-            </a:prstGeom>
-          </p:spPr>
-        </p:pic>
-        <p:sp>
-          <p:nvSpPr>
-            <p:cNvPr id="13" name="Rectangle 12"/>
-            <p:cNvSpPr/>
-            <p:nvPr/>
-          </p:nvSpPr>
-          <p:spPr>
-            <a:xfrm>
-              <a:off x="3671167" y="3327257"/>
-              <a:ext cx="2385397" cy="307777"/>
-            </a:xfrm>
-            <a:prstGeom prst="rect">
-              <a:avLst/>
-            </a:prstGeom>
-          </p:spPr>
-          <p:txBody>
-            <a:bodyPr wrap="none">
-              <a:spAutoFit/>
-            </a:bodyPr>
-            <a:lstStyle/>
-            <a:p>
-              <a:r>
-                <a:rPr lang="en-US" altLang="ko-KR" sz="1400" dirty="0"/>
-                <a:t>http://www.minddesk.com/</a:t>
-              </a:r>
-              <a:endParaRPr lang="ko-KR" altLang="en-US" sz="1400" dirty="0"/>
-            </a:p>
-          </p:txBody>
-        </p:sp>
-      </p:grpSp>
-      <p:grpSp>
-        <p:nvGrpSpPr>
-          <p:cNvPr id="14" name="Group 13"/>
-          <p:cNvGrpSpPr/>
-          <p:nvPr/>
-        </p:nvGrpSpPr>
-        <p:grpSpPr>
-          <a:xfrm>
-            <a:off x="7758165" y="2267987"/>
-            <a:ext cx="2427268" cy="1571112"/>
-            <a:chOff x="6382701" y="2063922"/>
-            <a:chExt cx="2427268" cy="1571112"/>
-          </a:xfrm>
-        </p:grpSpPr>
-        <p:pic>
-          <p:nvPicPr>
-            <p:cNvPr id="15" name="Picture 14"/>
-            <p:cNvPicPr>
-              <a:picLocks noChangeAspect="1"/>
-            </p:cNvPicPr>
-            <p:nvPr/>
-          </p:nvPicPr>
-          <p:blipFill>
-            <a:blip r:embed="rId5">
-              <a:extLst>
-                <a:ext uri="{28A0092B-C50C-407E-A947-70E740481C1C}">
-                  <a14:useLocalDpi xmlns:a14="http://schemas.microsoft.com/office/drawing/2010/main" val="0"/>
-                </a:ext>
-              </a:extLst>
-            </a:blip>
-            <a:stretch>
-              <a:fillRect/>
-            </a:stretch>
-          </p:blipFill>
-          <p:spPr>
-            <a:xfrm>
-              <a:off x="6980290" y="2063922"/>
-              <a:ext cx="1232091" cy="1232091"/>
-            </a:xfrm>
-            <a:prstGeom prst="rect">
-              <a:avLst/>
-            </a:prstGeom>
-          </p:spPr>
-        </p:pic>
-        <p:sp>
-          <p:nvSpPr>
-            <p:cNvPr id="16" name="Rectangle 15"/>
-            <p:cNvSpPr/>
-            <p:nvPr/>
-          </p:nvSpPr>
-          <p:spPr>
-            <a:xfrm>
-              <a:off x="6382701" y="3327257"/>
-              <a:ext cx="2427268" cy="307777"/>
-            </a:xfrm>
-            <a:prstGeom prst="rect">
-              <a:avLst/>
-            </a:prstGeom>
-          </p:spPr>
-          <p:txBody>
-            <a:bodyPr wrap="none">
-              <a:spAutoFit/>
-            </a:bodyPr>
-            <a:lstStyle/>
-            <a:p>
-              <a:r>
-                <a:rPr lang="en-US" altLang="ko-KR" sz="1400" dirty="0"/>
-                <a:t>http://www.ibm.com/us-en/</a:t>
-              </a:r>
-              <a:endParaRPr lang="ko-KR" altLang="en-US" sz="1400" dirty="0"/>
-            </a:p>
-          </p:txBody>
-        </p:sp>
-      </p:grpSp>
-      <p:grpSp>
-        <p:nvGrpSpPr>
-          <p:cNvPr id="20" name="Group 19"/>
-          <p:cNvGrpSpPr/>
-          <p:nvPr/>
-        </p:nvGrpSpPr>
-        <p:grpSpPr>
-          <a:xfrm>
-            <a:off x="7995154" y="4504051"/>
-            <a:ext cx="2145139" cy="1579335"/>
-            <a:chOff x="6439007" y="4374278"/>
-            <a:chExt cx="2145139" cy="1579335"/>
-          </a:xfrm>
-        </p:grpSpPr>
-        <p:pic>
-          <p:nvPicPr>
-            <p:cNvPr id="21" name="Picture 20"/>
-            <p:cNvPicPr>
-              <a:picLocks noChangeAspect="1"/>
-            </p:cNvPicPr>
-            <p:nvPr/>
-          </p:nvPicPr>
-          <p:blipFill>
-            <a:blip r:embed="rId6">
-              <a:extLst>
-                <a:ext uri="{28A0092B-C50C-407E-A947-70E740481C1C}">
-                  <a14:useLocalDpi xmlns:a14="http://schemas.microsoft.com/office/drawing/2010/main" val="0"/>
-                </a:ext>
-              </a:extLst>
-            </a:blip>
-            <a:stretch>
-              <a:fillRect/>
-            </a:stretch>
-          </p:blipFill>
-          <p:spPr>
-            <a:xfrm>
-              <a:off x="6467460" y="4374278"/>
-              <a:ext cx="2088232" cy="1080414"/>
-            </a:xfrm>
-            <a:prstGeom prst="rect">
-              <a:avLst/>
-            </a:prstGeom>
-          </p:spPr>
-        </p:pic>
-        <p:sp>
-          <p:nvSpPr>
-            <p:cNvPr id="22" name="Rectangle 21"/>
-            <p:cNvSpPr/>
-            <p:nvPr/>
-          </p:nvSpPr>
-          <p:spPr>
-            <a:xfrm>
-              <a:off x="6439007" y="5645836"/>
-              <a:ext cx="2145139" cy="307777"/>
-            </a:xfrm>
-            <a:prstGeom prst="rect">
-              <a:avLst/>
-            </a:prstGeom>
-          </p:spPr>
-          <p:txBody>
-            <a:bodyPr wrap="none">
-              <a:spAutoFit/>
-            </a:bodyPr>
-            <a:lstStyle/>
-            <a:p>
-              <a:r>
-                <a:rPr lang="en-US" altLang="ko-KR" sz="1400" dirty="0"/>
-                <a:t>https://www.mysql.com/</a:t>
-              </a:r>
-              <a:endParaRPr lang="ko-KR" altLang="en-US" sz="1400" dirty="0"/>
-            </a:p>
-          </p:txBody>
-        </p:sp>
-      </p:grpSp>
-      <p:grpSp>
-        <p:nvGrpSpPr>
-          <p:cNvPr id="23" name="Group 22"/>
-          <p:cNvGrpSpPr/>
-          <p:nvPr/>
-        </p:nvGrpSpPr>
-        <p:grpSpPr>
-          <a:xfrm>
-            <a:off x="4379947" y="3173433"/>
-            <a:ext cx="3583673" cy="1810072"/>
-            <a:chOff x="5594668" y="76064"/>
-            <a:chExt cx="3583673" cy="1810072"/>
-          </a:xfrm>
-        </p:grpSpPr>
-        <p:pic>
-          <p:nvPicPr>
-            <p:cNvPr id="24" name="Picture 23"/>
-            <p:cNvPicPr>
-              <a:picLocks noChangeAspect="1"/>
-            </p:cNvPicPr>
-            <p:nvPr/>
-          </p:nvPicPr>
-          <p:blipFill>
-            <a:blip r:embed="rId7" cstate="print">
-              <a:extLst>
-                <a:ext uri="{28A0092B-C50C-407E-A947-70E740481C1C}">
-                  <a14:useLocalDpi xmlns:a14="http://schemas.microsoft.com/office/drawing/2010/main" val="0"/>
-                </a:ext>
-              </a:extLst>
-            </a:blip>
-            <a:stretch>
-              <a:fillRect/>
-            </a:stretch>
-          </p:blipFill>
-          <p:spPr>
-            <a:xfrm>
-              <a:off x="6558412" y="76064"/>
-              <a:ext cx="1656184" cy="1656184"/>
-            </a:xfrm>
-            <a:prstGeom prst="rect">
-              <a:avLst/>
-            </a:prstGeom>
-          </p:spPr>
-        </p:pic>
-        <p:sp>
-          <p:nvSpPr>
-            <p:cNvPr id="25" name="Rectangle 24"/>
-            <p:cNvSpPr/>
-            <p:nvPr/>
-          </p:nvSpPr>
-          <p:spPr>
-            <a:xfrm>
-              <a:off x="5594668" y="1578359"/>
-              <a:ext cx="3583673" cy="307777"/>
-            </a:xfrm>
-            <a:prstGeom prst="rect">
-              <a:avLst/>
-            </a:prstGeom>
-          </p:spPr>
-          <p:txBody>
-            <a:bodyPr wrap="none">
-              <a:spAutoFit/>
-            </a:bodyPr>
-            <a:lstStyle/>
-            <a:p>
-              <a:r>
-                <a:rPr lang="en-US" altLang="ko-KR" sz="1400" dirty="0"/>
-                <a:t>http://www.microsoft.com/en-us/windows</a:t>
-              </a:r>
-              <a:endParaRPr lang="ko-KR" altLang="en-US" sz="1400" dirty="0"/>
-            </a:p>
-          </p:txBody>
-        </p:sp>
-      </p:grpSp>
-      <p:pic>
-        <p:nvPicPr>
-          <p:cNvPr id="4" name="Picture 3"/>
-          <p:cNvPicPr>
-            <a:picLocks noChangeAspect="1"/>
-          </p:cNvPicPr>
-          <p:nvPr/>
-        </p:nvPicPr>
-        <p:blipFill>
-          <a:blip r:embed="rId8" cstate="print">
-            <a:extLst>
-              <a:ext uri="{28A0092B-C50C-407E-A947-70E740481C1C}">
-                <a14:useLocalDpi xmlns:a14="http://schemas.microsoft.com/office/drawing/2010/main" val="0"/>
-              </a:ext>
-            </a:extLst>
-          </a:blip>
-          <a:stretch>
-            <a:fillRect/>
-          </a:stretch>
-        </p:blipFill>
-        <p:spPr>
-          <a:xfrm>
-            <a:off x="4856513" y="5226290"/>
-            <a:ext cx="2963949" cy="1098637"/>
-          </a:xfrm>
-          <a:prstGeom prst="rect">
-            <a:avLst/>
-          </a:prstGeom>
-        </p:spPr>
-      </p:pic>
-      <p:sp>
-        <p:nvSpPr>
-          <p:cNvPr id="26" name="Rectangle 25"/>
-          <p:cNvSpPr/>
-          <p:nvPr/>
-        </p:nvSpPr>
-        <p:spPr>
-          <a:xfrm>
-            <a:off x="5196825" y="6236093"/>
-            <a:ext cx="2173095" cy="338554"/>
-          </a:xfrm>
-          <a:prstGeom prst="rect">
-            <a:avLst/>
-          </a:prstGeom>
-        </p:spPr>
-        <p:txBody>
-          <a:bodyPr wrap="none">
-            <a:spAutoFit/>
-          </a:bodyPr>
-          <a:lstStyle/>
-          <a:p>
-            <a:r>
-              <a:rPr lang="en-US" altLang="ko-KR" sz="1600" dirty="0"/>
-              <a:t>https://bitbucket.org/</a:t>
-            </a:r>
-            <a:endParaRPr lang="ko-KR" altLang="en-US" sz="1600" dirty="0"/>
-          </a:p>
-        </p:txBody>
-      </p:sp>
-      <p:sp>
-        <p:nvSpPr>
-          <p:cNvPr id="18" name="Slide Number Placeholder 17"/>
-          <p:cNvSpPr>
-            <a:spLocks noGrp="1"/>
-          </p:cNvSpPr>
-          <p:nvPr>
-            <p:ph type="sldNum" sz="quarter" idx="12"/>
-          </p:nvPr>
-        </p:nvSpPr>
-        <p:spPr/>
-        <p:txBody>
-          <a:bodyPr/>
-          <a:lstStyle/>
-          <a:p>
-            <a:fld id="{FBFC020C-1606-4BED-91BA-A6230104B3B1}" type="slidenum">
-              <a:rPr lang="ko-KR" altLang="en-US" smtClean="0"/>
-              <a:t>10</a:t>
-            </a:fld>
-            <a:endParaRPr lang="ko-KR" altLang="en-US"/>
-          </a:p>
-        </p:txBody>
-      </p:sp>
-    </p:spTree>
-    <p:extLst>
-      <p:ext uri="{BB962C8B-B14F-4D97-AF65-F5344CB8AC3E}">
-        <p14:creationId xmlns:p14="http://schemas.microsoft.com/office/powerpoint/2010/main" val="1270315708"/>
-      </p:ext>
-    </p:extLst>
-  </p:cSld>
-  <p:clrMapOvr>
-    <a:masterClrMapping/>
-  </p:clrMapOvr>
-  <p:timing>
-    <p:tnLst>
-      <p:par>
-        <p:cTn id="1" dur="indefinite" restart="never" nodeType="tmRoot"/>
-      </p:par>
-    </p:tnLst>
-  </p:timing>
-</p:sld>
-</file>
-
-<file path=ppt/slides/slide11.xml><?xml version="1.0" encoding="utf-8"?>
-<p:sld xmlns:a="http://schemas.openxmlformats.org/drawingml/2006/main" xmlns:r="http://schemas.openxmlformats.org/officeDocument/2006/relationships" xmlns:p="http://schemas.openxmlformats.org/presentationml/2006/main">
-  <p:cSld>
-    <p:spTree>
-      <p:nvGrpSpPr>
-        <p:cNvPr id="1" name=""/>
-        <p:cNvGrpSpPr/>
-        <p:nvPr/>
-      </p:nvGrpSpPr>
-      <p:grpSpPr>
-        <a:xfrm>
-          <a:off x="0" y="0"/>
-          <a:ext cx="0" cy="0"/>
-          <a:chOff x="0" y="0"/>
-          <a:chExt cx="0" cy="0"/>
-        </a:xfrm>
-      </p:grpSpPr>
-      <p:sp>
-        <p:nvSpPr>
-          <p:cNvPr id="2" name="제목 1"/>
-          <p:cNvSpPr>
-            <a:spLocks noGrp="1"/>
-          </p:cNvSpPr>
-          <p:nvPr>
-            <p:ph type="title"/>
-          </p:nvPr>
-        </p:nvSpPr>
-        <p:spPr/>
-        <p:txBody>
-          <a:bodyPr>
-            <a:normAutofit fontScale="90000"/>
-          </a:bodyPr>
-          <a:lstStyle/>
-          <a:p>
-            <a:r>
-              <a:rPr lang="en-US" altLang="ko-KR" b="1" dirty="0"/>
-              <a:t/>
-            </a:r>
-            <a:br>
-              <a:rPr lang="en-US" altLang="ko-KR" b="1" dirty="0"/>
-            </a:br>
-            <a:r>
-              <a:rPr lang="en-US" altLang="ko-KR" b="1" dirty="0" smtClean="0"/>
-              <a:t>7. </a:t>
-            </a:r>
-            <a:r>
-              <a:rPr lang="ko-KR" altLang="en-US" b="1" dirty="0"/>
-              <a:t>개발 일정</a:t>
-            </a:r>
-            <a:r>
-              <a:rPr lang="en-US" altLang="ko-KR" b="1" dirty="0"/>
-              <a:t/>
-            </a:r>
-            <a:br>
-              <a:rPr lang="en-US" altLang="ko-KR" b="1" dirty="0"/>
-            </a:br>
-            <a:endParaRPr lang="ko-KR" altLang="en-US" dirty="0"/>
-          </a:p>
-        </p:txBody>
-      </p:sp>
-      <p:sp>
-        <p:nvSpPr>
-          <p:cNvPr id="3" name="내용 개체 틀 2"/>
-          <p:cNvSpPr>
-            <a:spLocks noGrp="1"/>
-          </p:cNvSpPr>
-          <p:nvPr>
-            <p:ph idx="1"/>
-          </p:nvPr>
-        </p:nvSpPr>
-        <p:spPr/>
-        <p:txBody>
-          <a:bodyPr/>
-          <a:lstStyle/>
-          <a:p>
-            <a:endParaRPr lang="en-US" altLang="ko-KR" dirty="0"/>
-          </a:p>
-          <a:p>
-            <a:endParaRPr lang="en-US" altLang="ko-KR" dirty="0"/>
-          </a:p>
-          <a:p>
-            <a:pPr marL="0" indent="0">
-              <a:buNone/>
-            </a:pPr>
-            <a:endParaRPr lang="en-US" altLang="ko-KR" dirty="0"/>
           </a:p>
         </p:txBody>
       </p:sp>
@@ -4576,140 +3908,7 @@
           <a:p>
             <a:fld id="{FBFC020C-1606-4BED-91BA-A6230104B3B1}" type="slidenum">
               <a:rPr lang="ko-KR" altLang="en-US" smtClean="0"/>
-              <a:t>11</a:t>
-            </a:fld>
-            <a:endParaRPr lang="ko-KR" altLang="en-US"/>
-          </a:p>
-        </p:txBody>
-      </p:sp>
-      <p:pic>
-        <p:nvPicPr>
-          <p:cNvPr id="7" name="Picture 6"/>
-          <p:cNvPicPr>
-            <a:picLocks noChangeAspect="1"/>
-          </p:cNvPicPr>
-          <p:nvPr/>
-        </p:nvPicPr>
-        <p:blipFill>
-          <a:blip r:embed="rId2">
-            <a:extLst>
-              <a:ext uri="{28A0092B-C50C-407E-A947-70E740481C1C}">
-                <a14:useLocalDpi xmlns:a14="http://schemas.microsoft.com/office/drawing/2010/main" val="0"/>
-              </a:ext>
-            </a:extLst>
-          </a:blip>
-          <a:stretch>
-            <a:fillRect/>
-          </a:stretch>
-        </p:blipFill>
-        <p:spPr>
-          <a:xfrm>
-            <a:off x="1022637" y="1510393"/>
-            <a:ext cx="10146726" cy="4743450"/>
-          </a:xfrm>
-          <a:prstGeom prst="rect">
-            <a:avLst/>
-          </a:prstGeom>
-        </p:spPr>
-      </p:pic>
-    </p:spTree>
-    <p:extLst>
-      <p:ext uri="{BB962C8B-B14F-4D97-AF65-F5344CB8AC3E}">
-        <p14:creationId xmlns:p14="http://schemas.microsoft.com/office/powerpoint/2010/main" val="1218757221"/>
-      </p:ext>
-    </p:extLst>
-  </p:cSld>
-  <p:clrMapOvr>
-    <a:masterClrMapping/>
-  </p:clrMapOvr>
-  <p:timing>
-    <p:tnLst>
-      <p:par>
-        <p:cTn id="1" dur="indefinite" restart="never" nodeType="tmRoot"/>
-      </p:par>
-    </p:tnLst>
-  </p:timing>
-</p:sld>
-</file>
-
-<file path=ppt/slides/slide12.xml><?xml version="1.0" encoding="utf-8"?>
-<p:sld xmlns:a="http://schemas.openxmlformats.org/drawingml/2006/main" xmlns:r="http://schemas.openxmlformats.org/officeDocument/2006/relationships" xmlns:p="http://schemas.openxmlformats.org/presentationml/2006/main">
-  <p:cSld>
-    <p:spTree>
-      <p:nvGrpSpPr>
-        <p:cNvPr id="1" name=""/>
-        <p:cNvGrpSpPr/>
-        <p:nvPr/>
-      </p:nvGrpSpPr>
-      <p:grpSpPr>
-        <a:xfrm>
-          <a:off x="0" y="0"/>
-          <a:ext cx="0" cy="0"/>
-          <a:chOff x="0" y="0"/>
-          <a:chExt cx="0" cy="0"/>
-        </a:xfrm>
-      </p:grpSpPr>
-      <p:sp>
-        <p:nvSpPr>
-          <p:cNvPr id="2" name="제목 1"/>
-          <p:cNvSpPr>
-            <a:spLocks noGrp="1"/>
-          </p:cNvSpPr>
-          <p:nvPr>
-            <p:ph type="title"/>
-          </p:nvPr>
-        </p:nvSpPr>
-        <p:spPr/>
-        <p:txBody>
-          <a:bodyPr>
-            <a:normAutofit fontScale="90000"/>
-          </a:bodyPr>
-          <a:lstStyle/>
-          <a:p>
-            <a:r>
-              <a:rPr lang="en-US" altLang="ko-KR" dirty="0"/>
-              <a:t/>
-            </a:r>
-            <a:br>
-              <a:rPr lang="en-US" altLang="ko-KR" dirty="0"/>
-            </a:br>
-            <a:r>
-              <a:rPr lang="en-US" altLang="ko-KR" b="1" dirty="0" smtClean="0"/>
-              <a:t>8. </a:t>
-            </a:r>
-            <a:r>
-              <a:rPr lang="ko-KR" altLang="en-US" b="1" dirty="0" err="1"/>
-              <a:t>데모시연</a:t>
-            </a:r>
-            <a:r>
-              <a:rPr lang="ko-KR" altLang="en-US" b="1" dirty="0"/>
-              <a:t> </a:t>
-            </a:r>
-            <a:br>
-              <a:rPr lang="ko-KR" altLang="en-US" b="1" dirty="0"/>
-            </a:br>
-            <a:endParaRPr lang="ko-KR" altLang="en-US" dirty="0"/>
-          </a:p>
-        </p:txBody>
-      </p:sp>
-      <p:sp>
-        <p:nvSpPr>
-          <p:cNvPr id="5" name="Slide Number Placeholder 4"/>
-          <p:cNvSpPr>
-            <a:spLocks noGrp="1"/>
-          </p:cNvSpPr>
-          <p:nvPr>
-            <p:ph type="sldNum" sz="quarter" idx="12"/>
-          </p:nvPr>
-        </p:nvSpPr>
-        <p:spPr/>
-        <p:txBody>
-          <a:bodyPr/>
-          <a:lstStyle/>
-          <a:p>
-            <a:fld id="{FBFC020C-1606-4BED-91BA-A6230104B3B1}" type="slidenum">
-              <a:rPr lang="ko-KR" altLang="en-US" smtClean="0"/>
-              <a:t>12</a:t>
+              <a:t>10</a:t>
             </a:fld>
             <a:endParaRPr lang="ko-KR" altLang="en-US"/>
           </a:p>
@@ -4735,7 +3934,7 @@
 </p:sld>
 </file>
 
-<file path=ppt/slides/slide13.xml><?xml version="1.0" encoding="utf-8"?>
+<file path=ppt/slides/slide11.xml><?xml version="1.0" encoding="utf-8"?>
 <p:sld xmlns:a="http://schemas.openxmlformats.org/drawingml/2006/main" xmlns:r="http://schemas.openxmlformats.org/officeDocument/2006/relationships" xmlns:p="http://schemas.openxmlformats.org/presentationml/2006/main">
   <p:cSld>
     <p:bg>
@@ -4813,7 +4012,7 @@
           <a:p>
             <a:fld id="{FBFC020C-1606-4BED-91BA-A6230104B3B1}" type="slidenum">
               <a:rPr lang="ko-KR" altLang="en-US" smtClean="0"/>
-              <a:t>13</a:t>
+              <a:t>11</a:t>
             </a:fld>
             <a:endParaRPr lang="ko-KR" altLang="en-US"/>
           </a:p>
@@ -4839,7 +4038,7 @@
 </p:sld>
 </file>
 
-<file path=ppt/slides/slide14.xml><?xml version="1.0" encoding="utf-8"?>
+<file path=ppt/slides/slide12.xml><?xml version="1.0" encoding="utf-8"?>
 <p:sld xmlns:a="http://schemas.openxmlformats.org/drawingml/2006/main" xmlns:r="http://schemas.openxmlformats.org/officeDocument/2006/relationships" xmlns:p="http://schemas.openxmlformats.org/presentationml/2006/main">
   <p:cSld>
     <p:spTree>
@@ -4916,7 +4115,7 @@
           <a:p>
             <a:fld id="{FBFC020C-1606-4BED-91BA-A6230104B3B1}" type="slidenum">
               <a:rPr lang="ko-KR" altLang="en-US" smtClean="0"/>
-              <a:t>14</a:t>
+              <a:t>12</a:t>
             </a:fld>
             <a:endParaRPr lang="ko-KR" altLang="en-US"/>
           </a:p>
@@ -5798,10 +4997,15 @@
             <p:ph idx="1"/>
           </p:nvPr>
         </p:nvSpPr>
-        <p:spPr/>
+        <p:spPr>
+          <a:xfrm>
+            <a:off x="838200" y="1825625"/>
+            <a:ext cx="10515600" cy="3871790"/>
+          </a:xfrm>
+        </p:spPr>
         <p:txBody>
           <a:bodyPr>
-            <a:normAutofit fontScale="92500"/>
+            <a:normAutofit/>
           </a:bodyPr>
           <a:lstStyle/>
           <a:p>
@@ -5814,126 +5018,22 @@
               <a:t>개요</a:t>
             </a:r>
             <a:r>
+              <a:rPr lang="en-US" altLang="ko-KR" b="1" dirty="0"/>
+              <a:t>	</a:t>
+            </a:r>
+            <a:r>
               <a:rPr lang="en-US" altLang="ko-KR" b="1" dirty="0" smtClean="0"/>
-              <a:t>									        </a:t>
-            </a:r>
-            <a:r>
-              <a:rPr lang="en-US" altLang="ko-KR" sz="1300" b="1" i="1" dirty="0" smtClean="0">
+              <a:t>	</a:t>
+            </a:r>
+            <a:r>
+              <a:rPr lang="en-US" altLang="ko-KR" sz="1300" b="1" dirty="0" smtClean="0">
                 <a:solidFill>
                   <a:schemeClr val="bg2">
-                    <a:lumMod val="50000"/>
+                    <a:lumMod val="75000"/>
                   </a:schemeClr>
                 </a:solidFill>
               </a:rPr>
-              <a:t>3p</a:t>
-            </a:r>
-            <a:endParaRPr lang="en-US" altLang="ko-KR" sz="1300" b="1" i="1" dirty="0">
-              <a:solidFill>
-                <a:schemeClr val="bg2">
-                  <a:lumMod val="50000"/>
-                </a:schemeClr>
-              </a:solidFill>
-            </a:endParaRPr>
-          </a:p>
-          <a:p>
-            <a:pPr marL="514350" indent="-514350">
-              <a:buFont typeface="+mj-lt"/>
-              <a:buAutoNum type="arabicPeriod"/>
-            </a:pPr>
-            <a:r>
-              <a:rPr lang="ko-KR" altLang="en-US" b="1" dirty="0" smtClean="0"/>
-              <a:t>게임 목표</a:t>
-            </a:r>
-            <a:r>
-              <a:rPr lang="en-US" altLang="ko-KR" b="1" dirty="0" smtClean="0"/>
-              <a:t>									</a:t>
-            </a:r>
-            <a:r>
-              <a:rPr lang="en-US" altLang="ko-KR" sz="1300" b="1" i="1" dirty="0" smtClean="0">
-                <a:solidFill>
-                  <a:schemeClr val="bg2">
-                    <a:lumMod val="50000"/>
-                  </a:schemeClr>
-                </a:solidFill>
-              </a:rPr>
-              <a:t>5p</a:t>
-            </a:r>
-            <a:endParaRPr lang="en-US" altLang="ko-KR" sz="1300" b="1" i="1" dirty="0">
-              <a:solidFill>
-                <a:schemeClr val="bg2">
-                  <a:lumMod val="50000"/>
-                </a:schemeClr>
-              </a:solidFill>
-            </a:endParaRPr>
-          </a:p>
-          <a:p>
-            <a:pPr marL="514350" indent="-514350">
-              <a:buFont typeface="+mj-lt"/>
-              <a:buAutoNum type="arabicPeriod"/>
-            </a:pPr>
-            <a:r>
-              <a:rPr lang="ko-KR" altLang="en-US" b="1" dirty="0" smtClean="0"/>
-              <a:t>중점 연구사항</a:t>
-            </a:r>
-            <a:r>
-              <a:rPr lang="en-US" altLang="ko-KR" b="1" dirty="0" smtClean="0"/>
-              <a:t>									</a:t>
-            </a:r>
-            <a:r>
-              <a:rPr lang="en-US" altLang="ko-KR" sz="1300" b="1" i="1" dirty="0" smtClean="0">
-                <a:solidFill>
-                  <a:schemeClr val="bg2">
-                    <a:lumMod val="50000"/>
-                  </a:schemeClr>
-                </a:solidFill>
-              </a:rPr>
-              <a:t>6p</a:t>
-            </a:r>
-          </a:p>
-          <a:p>
-            <a:pPr marL="514350" indent="-514350">
-              <a:buFont typeface="+mj-lt"/>
-              <a:buAutoNum type="arabicPeriod"/>
-            </a:pPr>
-            <a:r>
-              <a:rPr lang="ko-KR" altLang="en-US" b="1" dirty="0" smtClean="0"/>
-              <a:t>개발 상황</a:t>
-            </a:r>
-            <a:r>
-              <a:rPr lang="en-US" altLang="ko-KR" b="1" dirty="0" smtClean="0"/>
-              <a:t>									</a:t>
-            </a:r>
-            <a:r>
-              <a:rPr lang="en-US" altLang="ko-KR" sz="1300" b="1" i="1" dirty="0" smtClean="0">
-                <a:solidFill>
-                  <a:schemeClr val="bg2">
-                    <a:lumMod val="50000"/>
-                  </a:schemeClr>
-                </a:solidFill>
-              </a:rPr>
-              <a:t>7p</a:t>
-            </a:r>
-          </a:p>
-          <a:p>
-            <a:pPr marL="514350" indent="-514350">
-              <a:buFont typeface="+mj-lt"/>
-              <a:buAutoNum type="arabicPeriod"/>
-            </a:pPr>
-            <a:r>
-              <a:rPr lang="ko-KR" altLang="en-US" b="1" dirty="0" smtClean="0"/>
-              <a:t>추후 </a:t>
-            </a:r>
-            <a:r>
-              <a:rPr lang="ko-KR" altLang="en-US" b="1" dirty="0" smtClean="0"/>
-              <a:t>보완</a:t>
-            </a:r>
-            <a:r>
-              <a:rPr lang="en-US" altLang="ko-KR" b="1" dirty="0" smtClean="0"/>
-              <a:t>,</a:t>
-            </a:r>
-            <a:r>
-              <a:rPr lang="ko-KR" altLang="en-US" b="1" dirty="0" smtClean="0"/>
-              <a:t>추가 개발점</a:t>
+              <a:t>	</a:t>
             </a:r>
             <a:r>
               <a:rPr lang="en-US" altLang="ko-KR" b="1" dirty="0" smtClean="0"/>
@@ -5947,7 +5047,7 @@
                   </a:schemeClr>
                 </a:solidFill>
               </a:rPr>
-              <a:t>9</a:t>
+              <a:t>3</a:t>
             </a:r>
             <a:r>
               <a:rPr lang="en-US" altLang="ko-KR" sz="1300" b="1" i="1" dirty="0" smtClean="0">
@@ -5959,6 +5059,134 @@
               </a:rPr>
               <a:t>p</a:t>
             </a:r>
+          </a:p>
+          <a:p>
+            <a:pPr marL="514350" indent="-514350">
+              <a:buFont typeface="+mj-lt"/>
+              <a:buAutoNum type="arabicPeriod"/>
+            </a:pPr>
+            <a:r>
+              <a:rPr lang="ko-KR" altLang="en-US" b="1" dirty="0" smtClean="0"/>
+              <a:t>중점 </a:t>
+            </a:r>
+            <a:r>
+              <a:rPr lang="ko-KR" altLang="en-US" b="1" dirty="0" smtClean="0"/>
+              <a:t>연구사항</a:t>
+            </a:r>
+            <a:r>
+              <a:rPr lang="en-US" altLang="ko-KR" b="1" dirty="0" smtClean="0"/>
+              <a:t>								</a:t>
+            </a:r>
+            <a:r>
+              <a:rPr lang="en-US" altLang="ko-KR" sz="1300" b="1" i="1" dirty="0">
+                <a:solidFill>
+                  <a:schemeClr val="bg2">
+                    <a:lumMod val="50000"/>
+                  </a:schemeClr>
+                </a:solidFill>
+              </a:rPr>
+              <a:t>5</a:t>
+            </a:r>
+            <a:r>
+              <a:rPr lang="en-US" altLang="ko-KR" sz="1300" b="1" i="1" dirty="0" smtClean="0">
+                <a:solidFill>
+                  <a:schemeClr val="bg2">
+                    <a:lumMod val="50000"/>
+                  </a:schemeClr>
+                </a:solidFill>
+              </a:rPr>
+              <a:t>p</a:t>
+            </a:r>
+            <a:endParaRPr lang="en-US" altLang="ko-KR" sz="1300" b="1" i="1" dirty="0" smtClean="0">
+              <a:solidFill>
+                <a:schemeClr val="bg2">
+                  <a:lumMod val="50000"/>
+                </a:schemeClr>
+              </a:solidFill>
+            </a:endParaRPr>
+          </a:p>
+          <a:p>
+            <a:pPr marL="514350" indent="-514350">
+              <a:buFont typeface="+mj-lt"/>
+              <a:buAutoNum type="arabicPeriod"/>
+            </a:pPr>
+            <a:r>
+              <a:rPr lang="ko-KR" altLang="en-US" b="1" dirty="0" smtClean="0"/>
+              <a:t>개발 상황</a:t>
+            </a:r>
+            <a:r>
+              <a:rPr lang="en-US" altLang="ko-KR" b="1" dirty="0" smtClean="0"/>
+              <a:t>									</a:t>
+            </a:r>
+            <a:r>
+              <a:rPr lang="en-US" altLang="ko-KR" sz="1300" b="1" i="1" dirty="0">
+                <a:solidFill>
+                  <a:schemeClr val="bg2">
+                    <a:lumMod val="50000"/>
+                  </a:schemeClr>
+                </a:solidFill>
+              </a:rPr>
+              <a:t>6</a:t>
+            </a:r>
+            <a:r>
+              <a:rPr lang="en-US" altLang="ko-KR" sz="1300" b="1" i="1" dirty="0" smtClean="0">
+                <a:solidFill>
+                  <a:schemeClr val="bg2">
+                    <a:lumMod val="50000"/>
+                  </a:schemeClr>
+                </a:solidFill>
+              </a:rPr>
+              <a:t>p</a:t>
+            </a:r>
+            <a:endParaRPr lang="en-US" altLang="ko-KR" sz="1300" b="1" i="1" dirty="0" smtClean="0">
+              <a:solidFill>
+                <a:schemeClr val="bg2">
+                  <a:lumMod val="50000"/>
+                </a:schemeClr>
+              </a:solidFill>
+            </a:endParaRPr>
+          </a:p>
+          <a:p>
+            <a:pPr marL="514350" indent="-514350">
+              <a:buFont typeface="+mj-lt"/>
+              <a:buAutoNum type="arabicPeriod"/>
+            </a:pPr>
+            <a:r>
+              <a:rPr lang="ko-KR" altLang="en-US" b="1" dirty="0" smtClean="0"/>
+              <a:t>추후 보완</a:t>
+            </a:r>
+            <a:r>
+              <a:rPr lang="en-US" altLang="ko-KR" b="1" dirty="0" smtClean="0"/>
+              <a:t>,</a:t>
+            </a:r>
+            <a:r>
+              <a:rPr lang="ko-KR" altLang="en-US" b="1" dirty="0" smtClean="0"/>
+              <a:t>추가 개발점</a:t>
+            </a:r>
+            <a:r>
+              <a:rPr lang="en-US" altLang="ko-KR" b="1" dirty="0" smtClean="0"/>
+              <a:t>							</a:t>
+            </a:r>
+            <a:r>
+              <a:rPr lang="en-US" altLang="ko-KR" sz="1300" b="1" i="1" dirty="0">
+                <a:solidFill>
+                  <a:schemeClr val="bg2">
+                    <a:lumMod val="50000"/>
+                  </a:schemeClr>
+                </a:solidFill>
+              </a:rPr>
+              <a:t>8</a:t>
+            </a:r>
+            <a:r>
+              <a:rPr lang="en-US" altLang="ko-KR" sz="1300" b="1" i="1" dirty="0" smtClean="0">
+                <a:solidFill>
+                  <a:schemeClr val="bg2">
+                    <a:lumMod val="50000"/>
+                  </a:schemeClr>
+                </a:solidFill>
+              </a:rPr>
+              <a:t>p</a:t>
+            </a:r>
             <a:endParaRPr lang="en-US" altLang="ko-KR" sz="1300" b="1" i="1" dirty="0">
               <a:solidFill>
                 <a:schemeClr val="bg2">
@@ -5979,6 +5207,55 @@
             <a:r>
               <a:rPr lang="en-US" altLang="ko-KR" b="1" dirty="0" smtClean="0"/>
               <a:t>									</a:t>
+            </a:r>
+            <a:r>
+              <a:rPr lang="en-US" altLang="ko-KR" sz="1300" b="1" i="1" dirty="0" smtClean="0">
+                <a:solidFill>
+                  <a:schemeClr val="bg2">
+                    <a:lumMod val="50000"/>
+                  </a:schemeClr>
+                </a:solidFill>
+              </a:rPr>
+              <a:t>9</a:t>
+            </a:r>
+            <a:r>
+              <a:rPr lang="en-US" altLang="ko-KR" sz="1300" b="1" i="1" dirty="0" smtClean="0">
+                <a:solidFill>
+                  <a:schemeClr val="bg2">
+                    <a:lumMod val="50000"/>
+                  </a:schemeClr>
+                </a:solidFill>
+              </a:rPr>
+              <a:t>p</a:t>
+            </a:r>
+            <a:endParaRPr lang="en-US" altLang="ko-KR" sz="1300" b="1" i="1" dirty="0" smtClean="0">
+              <a:solidFill>
+                <a:schemeClr val="bg2">
+                  <a:lumMod val="50000"/>
+                </a:schemeClr>
+              </a:solidFill>
+            </a:endParaRPr>
+          </a:p>
+          <a:p>
+            <a:pPr marL="514350" indent="-514350">
+              <a:buFont typeface="+mj-lt"/>
+              <a:buAutoNum type="arabicPeriod"/>
+            </a:pPr>
+            <a:r>
+              <a:rPr lang="ko-KR" altLang="en-US" b="1" dirty="0" smtClean="0"/>
+              <a:t>개발 </a:t>
+            </a:r>
+            <a:r>
+              <a:rPr lang="ko-KR" altLang="en-US" b="1" dirty="0" smtClean="0"/>
+              <a:t>일정</a:t>
+            </a:r>
+            <a:r>
+              <a:rPr lang="en-US" altLang="ko-KR" b="1" dirty="0" smtClean="0"/>
+              <a:t>								</a:t>
+            </a:r>
+            <a:r>
+              <a:rPr lang="en-US" altLang="ko-KR" b="1" dirty="0" smtClean="0"/>
+              <a:t>       </a:t>
             </a:r>
             <a:r>
               <a:rPr lang="en-US" altLang="ko-KR" sz="1300" b="1" i="1" dirty="0" smtClean="0">
@@ -5990,7 +5267,7 @@
               </a:rPr>
               <a:t>10p</a:t>
             </a:r>
-            <a:endParaRPr lang="en-US" altLang="ko-KR" sz="1300" b="1" i="1" dirty="0" smtClean="0">
+            <a:endParaRPr lang="en-US" altLang="ko-KR" sz="1300" b="1" i="1" dirty="0">
               <a:solidFill>
                 <a:schemeClr val="bg2">
                   <a:lumMod val="50000"/>
@@ -6005,11 +5282,15 @@
             </a:pPr>
             <a:r>
               <a:rPr lang="ko-KR" altLang="en-US" b="1" dirty="0" smtClean="0"/>
-              <a:t>개발 일정</a:t>
+              <a:t>시연</a:t>
             </a:r>
             <a:r>
               <a:rPr lang="en-US" altLang="ko-KR" b="1" dirty="0" smtClean="0"/>
               <a:t>									</a:t>
+            </a:r>
+            <a:r>
+              <a:rPr lang="en-US" altLang="ko-KR" b="1" dirty="0" smtClean="0"/>
+              <a:t>       </a:t>
             </a:r>
             <a:r>
               <a:rPr lang="en-US" altLang="ko-KR" sz="1300" b="1" i="1" dirty="0" smtClean="0">
@@ -6020,37 +5301,6 @@
                 </a:solidFill>
               </a:rPr>
               <a:t>11p</a:t>
-            </a:r>
-            <a:endParaRPr lang="en-US" altLang="ko-KR" sz="1300" b="1" i="1" dirty="0">
-              <a:solidFill>
-                <a:schemeClr val="bg2">
-                  <a:lumMod val="50000"/>
-                </a:schemeClr>
-              </a:solidFill>
-            </a:endParaRPr>
-          </a:p>
-          <a:p>
-            <a:pPr marL="514350" indent="-514350">
-              <a:buFont typeface="+mj-lt"/>
-              <a:buAutoNum type="arabicPeriod"/>
-            </a:pPr>
-            <a:r>
-              <a:rPr lang="ko-KR" altLang="en-US" b="1" dirty="0" smtClean="0"/>
-              <a:t>시연</a:t>
-            </a:r>
-            <a:r>
-              <a:rPr lang="en-US" altLang="ko-KR" b="1" dirty="0" smtClean="0"/>
-              <a:t>										</a:t>
-            </a:r>
-            <a:r>
-              <a:rPr lang="en-US" altLang="ko-KR" sz="1300" b="1" i="1" dirty="0" smtClean="0">
-                <a:solidFill>
-                  <a:schemeClr val="bg2">
-                    <a:lumMod val="50000"/>
-                  </a:schemeClr>
-                </a:solidFill>
-              </a:rPr>
-              <a:t>12p</a:t>
             </a:r>
             <a:endParaRPr lang="en-US" altLang="ko-KR" sz="1300" b="1" i="1" dirty="0">
               <a:solidFill>
@@ -7058,44 +6308,6 @@
       </p:grpSpPr>
       <p:sp>
         <p:nvSpPr>
-          <p:cNvPr id="20" name="Rounded Rectangle 19"/>
-          <p:cNvSpPr/>
-          <p:nvPr/>
-        </p:nvSpPr>
-        <p:spPr>
-          <a:xfrm>
-            <a:off x="9225417" y="1014542"/>
-            <a:ext cx="2966583" cy="2006828"/>
-          </a:xfrm>
-          <a:prstGeom prst="roundRect">
-            <a:avLst/>
-          </a:prstGeom>
-        </p:spPr>
-        <p:style>
-          <a:lnRef idx="1">
-            <a:schemeClr val="dk1"/>
-          </a:lnRef>
-          <a:fillRef idx="2">
-            <a:schemeClr val="dk1"/>
-          </a:fillRef>
-          <a:effectRef idx="1">
-            <a:schemeClr val="dk1"/>
-          </a:effectRef>
-          <a:fontRef idx="minor">
-            <a:schemeClr val="dk1"/>
-          </a:fontRef>
-        </p:style>
-        <p:txBody>
-          <a:bodyPr rtlCol="0" anchor="ctr"/>
-          <a:lstStyle/>
-          <a:p>
-            <a:pPr algn="ctr"/>
-            <a:endParaRPr lang="ko-KR" altLang="en-US"/>
-          </a:p>
-        </p:txBody>
-      </p:sp>
-      <p:sp>
-        <p:nvSpPr>
           <p:cNvPr id="2" name="제목 1"/>
           <p:cNvSpPr>
             <a:spLocks noGrp="1"/>
@@ -7106,749 +6318,6 @@
         </p:nvSpPr>
         <p:spPr/>
         <p:txBody>
-          <a:bodyPr/>
-          <a:lstStyle/>
-          <a:p>
-            <a:r>
-              <a:rPr lang="en-US" altLang="ko-KR" b="1" dirty="0"/>
-              <a:t>2. </a:t>
-            </a:r>
-            <a:r>
-              <a:rPr lang="ko-KR" altLang="en-US" b="1" dirty="0"/>
-              <a:t>게임목표</a:t>
-            </a:r>
-          </a:p>
-        </p:txBody>
-      </p:sp>
-      <p:sp>
-        <p:nvSpPr>
-          <p:cNvPr id="4" name="Oval 3"/>
-          <p:cNvSpPr/>
-          <p:nvPr/>
-        </p:nvSpPr>
-        <p:spPr>
-          <a:xfrm>
-            <a:off x="310243" y="5045529"/>
-            <a:ext cx="1404258" cy="1404258"/>
-          </a:xfrm>
-          <a:prstGeom prst="ellipse">
-            <a:avLst/>
-          </a:prstGeom>
-        </p:spPr>
-        <p:style>
-          <a:lnRef idx="2">
-            <a:schemeClr val="dk1">
-              <a:shade val="50000"/>
-            </a:schemeClr>
-          </a:lnRef>
-          <a:fillRef idx="1">
-            <a:schemeClr val="dk1"/>
-          </a:fillRef>
-          <a:effectRef idx="0">
-            <a:schemeClr val="dk1"/>
-          </a:effectRef>
-          <a:fontRef idx="minor">
-            <a:schemeClr val="lt1"/>
-          </a:fontRef>
-        </p:style>
-        <p:txBody>
-          <a:bodyPr rtlCol="0" anchor="ctr"/>
-          <a:lstStyle/>
-          <a:p>
-            <a:pPr algn="ctr"/>
-            <a:r>
-              <a:rPr lang="ko-KR" altLang="en-US" sz="1400" dirty="0"/>
-              <a:t>효율적</a:t>
-            </a:r>
-            <a:endParaRPr lang="en-US" altLang="ko-KR" sz="1400" dirty="0"/>
-          </a:p>
-          <a:p>
-            <a:pPr algn="ctr"/>
-            <a:r>
-              <a:rPr lang="ko-KR" altLang="en-US" sz="1400" dirty="0"/>
-              <a:t>코스트</a:t>
-            </a:r>
-            <a:endParaRPr lang="en-US" altLang="ko-KR" sz="1400" dirty="0"/>
-          </a:p>
-          <a:p>
-            <a:pPr algn="ctr"/>
-            <a:r>
-              <a:rPr lang="ko-KR" altLang="en-US" sz="1400" dirty="0"/>
-              <a:t>사용</a:t>
-            </a:r>
-          </a:p>
-        </p:txBody>
-      </p:sp>
-      <p:sp>
-        <p:nvSpPr>
-          <p:cNvPr id="5" name="Oval 4"/>
-          <p:cNvSpPr/>
-          <p:nvPr/>
-        </p:nvSpPr>
-        <p:spPr>
-          <a:xfrm>
-            <a:off x="2669551" y="4137253"/>
-            <a:ext cx="1404258" cy="1404258"/>
-          </a:xfrm>
-          <a:prstGeom prst="ellipse">
-            <a:avLst/>
-          </a:prstGeom>
-        </p:spPr>
-        <p:style>
-          <a:lnRef idx="2">
-            <a:schemeClr val="dk1">
-              <a:shade val="50000"/>
-            </a:schemeClr>
-          </a:lnRef>
-          <a:fillRef idx="1">
-            <a:schemeClr val="dk1"/>
-          </a:fillRef>
-          <a:effectRef idx="0">
-            <a:schemeClr val="dk1"/>
-          </a:effectRef>
-          <a:fontRef idx="minor">
-            <a:schemeClr val="lt1"/>
-          </a:fontRef>
-        </p:style>
-        <p:txBody>
-          <a:bodyPr rtlCol="0" anchor="ctr"/>
-          <a:lstStyle/>
-          <a:p>
-            <a:pPr algn="ctr"/>
-            <a:r>
-              <a:rPr lang="ko-KR" altLang="en-US" sz="1400" dirty="0"/>
-              <a:t>스테이지</a:t>
-            </a:r>
-            <a:endParaRPr lang="en-US" altLang="ko-KR" sz="1400" dirty="0"/>
-          </a:p>
-          <a:p>
-            <a:pPr algn="ctr"/>
-            <a:r>
-              <a:rPr lang="ko-KR" altLang="en-US" sz="1400" dirty="0"/>
-              <a:t>클리어</a:t>
-            </a:r>
-          </a:p>
-        </p:txBody>
-      </p:sp>
-      <p:sp>
-        <p:nvSpPr>
-          <p:cNvPr id="6" name="Oval 5"/>
-          <p:cNvSpPr/>
-          <p:nvPr/>
-        </p:nvSpPr>
-        <p:spPr>
-          <a:xfrm>
-            <a:off x="7387486" y="2421192"/>
-            <a:ext cx="1404258" cy="1404258"/>
-          </a:xfrm>
-          <a:prstGeom prst="ellipse">
-            <a:avLst/>
-          </a:prstGeom>
-        </p:spPr>
-        <p:style>
-          <a:lnRef idx="2">
-            <a:schemeClr val="dk1">
-              <a:shade val="50000"/>
-            </a:schemeClr>
-          </a:lnRef>
-          <a:fillRef idx="1">
-            <a:schemeClr val="dk1"/>
-          </a:fillRef>
-          <a:effectRef idx="0">
-            <a:schemeClr val="dk1"/>
-          </a:effectRef>
-          <a:fontRef idx="minor">
-            <a:schemeClr val="lt1"/>
-          </a:fontRef>
-        </p:style>
-        <p:txBody>
-          <a:bodyPr rtlCol="0" anchor="ctr"/>
-          <a:lstStyle/>
-          <a:p>
-            <a:pPr algn="ctr"/>
-            <a:r>
-              <a:rPr lang="ko-KR" altLang="en-US" sz="1400" dirty="0"/>
-              <a:t>스토리</a:t>
-            </a:r>
-            <a:endParaRPr lang="en-US" altLang="ko-KR" sz="1400" dirty="0"/>
-          </a:p>
-          <a:p>
-            <a:pPr algn="ctr"/>
-            <a:r>
-              <a:rPr lang="ko-KR" altLang="en-US" sz="1400" dirty="0" smtClean="0"/>
-              <a:t>클리</a:t>
-            </a:r>
-            <a:r>
-              <a:rPr lang="ko-KR" altLang="en-US" sz="1400" dirty="0"/>
-              <a:t>어</a:t>
-            </a:r>
-          </a:p>
-        </p:txBody>
-      </p:sp>
-      <p:sp>
-        <p:nvSpPr>
-          <p:cNvPr id="7" name="Oval 6"/>
-          <p:cNvSpPr/>
-          <p:nvPr/>
-        </p:nvSpPr>
-        <p:spPr>
-          <a:xfrm>
-            <a:off x="5028859" y="3248646"/>
-            <a:ext cx="1404258" cy="1404258"/>
-          </a:xfrm>
-          <a:prstGeom prst="ellipse">
-            <a:avLst/>
-          </a:prstGeom>
-        </p:spPr>
-        <p:style>
-          <a:lnRef idx="2">
-            <a:schemeClr val="dk1">
-              <a:shade val="50000"/>
-            </a:schemeClr>
-          </a:lnRef>
-          <a:fillRef idx="1">
-            <a:schemeClr val="dk1"/>
-          </a:fillRef>
-          <a:effectRef idx="0">
-            <a:schemeClr val="dk1"/>
-          </a:effectRef>
-          <a:fontRef idx="minor">
-            <a:schemeClr val="lt1"/>
-          </a:fontRef>
-        </p:style>
-        <p:txBody>
-          <a:bodyPr rtlCol="0" anchor="ctr"/>
-          <a:lstStyle/>
-          <a:p>
-            <a:pPr algn="ctr"/>
-            <a:r>
-              <a:rPr lang="ko-KR" altLang="en-US" sz="1400" dirty="0"/>
-              <a:t>카드</a:t>
-            </a:r>
-            <a:endParaRPr lang="en-US" altLang="ko-KR" sz="1400" dirty="0"/>
-          </a:p>
-          <a:p>
-            <a:pPr algn="ctr"/>
-            <a:r>
-              <a:rPr lang="ko-KR" altLang="en-US" sz="1400" dirty="0"/>
-              <a:t>수집</a:t>
-            </a:r>
-          </a:p>
-        </p:txBody>
-      </p:sp>
-      <p:sp>
-        <p:nvSpPr>
-          <p:cNvPr id="8" name="Oval 7"/>
-          <p:cNvSpPr/>
-          <p:nvPr/>
-        </p:nvSpPr>
-        <p:spPr>
-          <a:xfrm>
-            <a:off x="9747476" y="1387808"/>
-            <a:ext cx="1404258" cy="1404258"/>
-          </a:xfrm>
-          <a:prstGeom prst="ellipse">
-            <a:avLst/>
-          </a:prstGeom>
-        </p:spPr>
-        <p:style>
-          <a:lnRef idx="2">
-            <a:schemeClr val="dk1"/>
-          </a:lnRef>
-          <a:fillRef idx="1">
-            <a:schemeClr val="lt1"/>
-          </a:fillRef>
-          <a:effectRef idx="0">
-            <a:schemeClr val="dk1"/>
-          </a:effectRef>
-          <a:fontRef idx="minor">
-            <a:schemeClr val="dk1"/>
-          </a:fontRef>
-        </p:style>
-        <p:txBody>
-          <a:bodyPr rtlCol="0" anchor="ctr"/>
-          <a:lstStyle/>
-          <a:p>
-            <a:pPr algn="ctr"/>
-            <a:r>
-              <a:rPr lang="en-US" altLang="ko-KR" sz="1400" dirty="0" err="1"/>
-              <a:t>PvP</a:t>
-            </a:r>
-            <a:endParaRPr lang="en-US" altLang="ko-KR" sz="1400" dirty="0"/>
-          </a:p>
-        </p:txBody>
-      </p:sp>
-      <p:sp>
-        <p:nvSpPr>
-          <p:cNvPr id="10" name="Curved Down Arrow 9"/>
-          <p:cNvSpPr/>
-          <p:nvPr/>
-        </p:nvSpPr>
-        <p:spPr>
-          <a:xfrm rot="20443668">
-            <a:off x="824760" y="3960121"/>
-            <a:ext cx="1779481" cy="759278"/>
-          </a:xfrm>
-          <a:prstGeom prst="curvedDownArrow">
-            <a:avLst/>
-          </a:prstGeom>
-        </p:spPr>
-        <p:style>
-          <a:lnRef idx="2">
-            <a:schemeClr val="dk1">
-              <a:shade val="50000"/>
-            </a:schemeClr>
-          </a:lnRef>
-          <a:fillRef idx="1">
-            <a:schemeClr val="dk1"/>
-          </a:fillRef>
-          <a:effectRef idx="0">
-            <a:schemeClr val="dk1"/>
-          </a:effectRef>
-          <a:fontRef idx="minor">
-            <a:schemeClr val="lt1"/>
-          </a:fontRef>
-        </p:style>
-        <p:txBody>
-          <a:bodyPr rtlCol="0" anchor="ctr"/>
-          <a:lstStyle/>
-          <a:p>
-            <a:pPr algn="ctr"/>
-            <a:endParaRPr lang="ko-KR" altLang="en-US">
-              <a:solidFill>
-                <a:schemeClr val="tx1"/>
-              </a:solidFill>
-            </a:endParaRPr>
-          </a:p>
-        </p:txBody>
-      </p:sp>
-      <p:sp>
-        <p:nvSpPr>
-          <p:cNvPr id="11" name="Curved Down Arrow 10"/>
-          <p:cNvSpPr/>
-          <p:nvPr/>
-        </p:nvSpPr>
-        <p:spPr>
-          <a:xfrm rot="20443668">
-            <a:off x="3243198" y="3025887"/>
-            <a:ext cx="1779481" cy="759278"/>
-          </a:xfrm>
-          <a:prstGeom prst="curvedDownArrow">
-            <a:avLst/>
-          </a:prstGeom>
-        </p:spPr>
-        <p:style>
-          <a:lnRef idx="2">
-            <a:schemeClr val="dk1">
-              <a:shade val="50000"/>
-            </a:schemeClr>
-          </a:lnRef>
-          <a:fillRef idx="1">
-            <a:schemeClr val="dk1"/>
-          </a:fillRef>
-          <a:effectRef idx="0">
-            <a:schemeClr val="dk1"/>
-          </a:effectRef>
-          <a:fontRef idx="minor">
-            <a:schemeClr val="lt1"/>
-          </a:fontRef>
-        </p:style>
-        <p:txBody>
-          <a:bodyPr rtlCol="0" anchor="ctr"/>
-          <a:lstStyle/>
-          <a:p>
-            <a:pPr algn="ctr"/>
-            <a:endParaRPr lang="ko-KR" altLang="en-US">
-              <a:solidFill>
-                <a:schemeClr val="tx1"/>
-              </a:solidFill>
-            </a:endParaRPr>
-          </a:p>
-        </p:txBody>
-      </p:sp>
-      <p:sp>
-        <p:nvSpPr>
-          <p:cNvPr id="12" name="Curved Down Arrow 11"/>
-          <p:cNvSpPr/>
-          <p:nvPr/>
-        </p:nvSpPr>
-        <p:spPr>
-          <a:xfrm rot="20443668">
-            <a:off x="5661636" y="2091652"/>
-            <a:ext cx="1779481" cy="759278"/>
-          </a:xfrm>
-          <a:prstGeom prst="curvedDownArrow">
-            <a:avLst/>
-          </a:prstGeom>
-        </p:spPr>
-        <p:style>
-          <a:lnRef idx="2">
-            <a:schemeClr val="dk1">
-              <a:shade val="50000"/>
-            </a:schemeClr>
-          </a:lnRef>
-          <a:fillRef idx="1">
-            <a:schemeClr val="dk1"/>
-          </a:fillRef>
-          <a:effectRef idx="0">
-            <a:schemeClr val="dk1"/>
-          </a:effectRef>
-          <a:fontRef idx="minor">
-            <a:schemeClr val="lt1"/>
-          </a:fontRef>
-        </p:style>
-        <p:txBody>
-          <a:bodyPr rtlCol="0" anchor="ctr"/>
-          <a:lstStyle/>
-          <a:p>
-            <a:pPr algn="ctr"/>
-            <a:endParaRPr lang="ko-KR" altLang="en-US">
-              <a:solidFill>
-                <a:schemeClr val="tx1"/>
-              </a:solidFill>
-            </a:endParaRPr>
-          </a:p>
-        </p:txBody>
-      </p:sp>
-      <p:sp>
-        <p:nvSpPr>
-          <p:cNvPr id="13" name="Curved Down Arrow 12"/>
-          <p:cNvSpPr/>
-          <p:nvPr/>
-        </p:nvSpPr>
-        <p:spPr>
-          <a:xfrm rot="20443668">
-            <a:off x="8080073" y="1157417"/>
-            <a:ext cx="1779481" cy="759278"/>
-          </a:xfrm>
-          <a:prstGeom prst="curvedDownArrow">
-            <a:avLst/>
-          </a:prstGeom>
-        </p:spPr>
-        <p:style>
-          <a:lnRef idx="2">
-            <a:schemeClr val="dk1">
-              <a:shade val="50000"/>
-            </a:schemeClr>
-          </a:lnRef>
-          <a:fillRef idx="1">
-            <a:schemeClr val="dk1"/>
-          </a:fillRef>
-          <a:effectRef idx="0">
-            <a:schemeClr val="dk1"/>
-          </a:effectRef>
-          <a:fontRef idx="minor">
-            <a:schemeClr val="lt1"/>
-          </a:fontRef>
-        </p:style>
-        <p:txBody>
-          <a:bodyPr rtlCol="0" anchor="ctr"/>
-          <a:lstStyle/>
-          <a:p>
-            <a:pPr algn="ctr"/>
-            <a:endParaRPr lang="ko-KR" altLang="en-US">
-              <a:solidFill>
-                <a:schemeClr val="tx1"/>
-              </a:solidFill>
-            </a:endParaRPr>
-          </a:p>
-        </p:txBody>
-      </p:sp>
-      <p:sp>
-        <p:nvSpPr>
-          <p:cNvPr id="14" name="TextBox 13"/>
-          <p:cNvSpPr txBox="1"/>
-          <p:nvPr/>
-        </p:nvSpPr>
-        <p:spPr>
-          <a:xfrm>
-            <a:off x="1714501" y="6101243"/>
-            <a:ext cx="1190625" cy="369332"/>
-          </a:xfrm>
-          <a:prstGeom prst="rect">
-            <a:avLst/>
-          </a:prstGeom>
-          <a:noFill/>
-        </p:spPr>
-        <p:txBody>
-          <a:bodyPr wrap="square" rtlCol="0">
-            <a:spAutoFit/>
-          </a:bodyPr>
-          <a:lstStyle/>
-          <a:p>
-            <a:r>
-              <a:rPr lang="ko-KR" altLang="en-US" dirty="0"/>
-              <a:t>제 </a:t>
-            </a:r>
-            <a:r>
-              <a:rPr lang="en-US" altLang="ko-KR" dirty="0"/>
-              <a:t>1 </a:t>
-            </a:r>
-            <a:r>
-              <a:rPr lang="ko-KR" altLang="en-US" dirty="0"/>
-              <a:t>목표</a:t>
-            </a:r>
-          </a:p>
-        </p:txBody>
-      </p:sp>
-      <p:sp>
-        <p:nvSpPr>
-          <p:cNvPr id="15" name="TextBox 14"/>
-          <p:cNvSpPr txBox="1"/>
-          <p:nvPr/>
-        </p:nvSpPr>
-        <p:spPr>
-          <a:xfrm>
-            <a:off x="4073809" y="5172179"/>
-            <a:ext cx="1190625" cy="369332"/>
-          </a:xfrm>
-          <a:prstGeom prst="rect">
-            <a:avLst/>
-          </a:prstGeom>
-          <a:noFill/>
-        </p:spPr>
-        <p:txBody>
-          <a:bodyPr wrap="square" rtlCol="0">
-            <a:spAutoFit/>
-          </a:bodyPr>
-          <a:lstStyle/>
-          <a:p>
-            <a:r>
-              <a:rPr lang="ko-KR" altLang="en-US" dirty="0"/>
-              <a:t>제 </a:t>
-            </a:r>
-            <a:r>
-              <a:rPr lang="en-US" altLang="ko-KR" dirty="0"/>
-              <a:t>2 </a:t>
-            </a:r>
-            <a:r>
-              <a:rPr lang="ko-KR" altLang="en-US" dirty="0"/>
-              <a:t>목표</a:t>
-            </a:r>
-          </a:p>
-        </p:txBody>
-      </p:sp>
-      <p:sp>
-        <p:nvSpPr>
-          <p:cNvPr id="16" name="TextBox 15"/>
-          <p:cNvSpPr txBox="1"/>
-          <p:nvPr/>
-        </p:nvSpPr>
-        <p:spPr>
-          <a:xfrm>
-            <a:off x="6433117" y="4283572"/>
-            <a:ext cx="1190625" cy="369332"/>
-          </a:xfrm>
-          <a:prstGeom prst="rect">
-            <a:avLst/>
-          </a:prstGeom>
-          <a:noFill/>
-        </p:spPr>
-        <p:txBody>
-          <a:bodyPr wrap="square" rtlCol="0">
-            <a:spAutoFit/>
-          </a:bodyPr>
-          <a:lstStyle/>
-          <a:p>
-            <a:r>
-              <a:rPr lang="ko-KR" altLang="en-US" dirty="0"/>
-              <a:t>제 </a:t>
-            </a:r>
-            <a:r>
-              <a:rPr lang="en-US" altLang="ko-KR" dirty="0"/>
-              <a:t>3 </a:t>
-            </a:r>
-            <a:r>
-              <a:rPr lang="ko-KR" altLang="en-US" dirty="0"/>
-              <a:t>목표</a:t>
-            </a:r>
-          </a:p>
-        </p:txBody>
-      </p:sp>
-      <p:sp>
-        <p:nvSpPr>
-          <p:cNvPr id="17" name="TextBox 16"/>
-          <p:cNvSpPr txBox="1"/>
-          <p:nvPr/>
-        </p:nvSpPr>
-        <p:spPr>
-          <a:xfrm>
-            <a:off x="8792425" y="3365153"/>
-            <a:ext cx="1190625" cy="369332"/>
-          </a:xfrm>
-          <a:prstGeom prst="rect">
-            <a:avLst/>
-          </a:prstGeom>
-          <a:noFill/>
-        </p:spPr>
-        <p:txBody>
-          <a:bodyPr wrap="square" rtlCol="0">
-            <a:spAutoFit/>
-          </a:bodyPr>
-          <a:lstStyle/>
-          <a:p>
-            <a:r>
-              <a:rPr lang="ko-KR" altLang="en-US" dirty="0"/>
-              <a:t>제 </a:t>
-            </a:r>
-            <a:r>
-              <a:rPr lang="en-US" altLang="ko-KR" dirty="0"/>
-              <a:t>4 </a:t>
-            </a:r>
-            <a:r>
-              <a:rPr lang="ko-KR" altLang="en-US" dirty="0"/>
-              <a:t>목표</a:t>
-            </a:r>
-          </a:p>
-        </p:txBody>
-      </p:sp>
-      <p:sp>
-        <p:nvSpPr>
-          <p:cNvPr id="18" name="TextBox 17"/>
-          <p:cNvSpPr txBox="1"/>
-          <p:nvPr/>
-        </p:nvSpPr>
-        <p:spPr>
-          <a:xfrm>
-            <a:off x="11036072" y="2422734"/>
-            <a:ext cx="1190625" cy="369332"/>
-          </a:xfrm>
-          <a:prstGeom prst="rect">
-            <a:avLst/>
-          </a:prstGeom>
-          <a:noFill/>
-        </p:spPr>
-        <p:txBody>
-          <a:bodyPr wrap="square" rtlCol="0">
-            <a:spAutoFit/>
-          </a:bodyPr>
-          <a:lstStyle/>
-          <a:p>
-            <a:r>
-              <a:rPr lang="ko-KR" altLang="en-US" dirty="0"/>
-              <a:t>최종</a:t>
-            </a:r>
-            <a:r>
-              <a:rPr lang="en-US" altLang="ko-KR" dirty="0"/>
-              <a:t> </a:t>
-            </a:r>
-            <a:r>
-              <a:rPr lang="ko-KR" altLang="en-US" dirty="0"/>
-              <a:t>목표</a:t>
-            </a:r>
-          </a:p>
-        </p:txBody>
-      </p:sp>
-      <p:sp>
-        <p:nvSpPr>
-          <p:cNvPr id="21" name="TextBox 20"/>
-          <p:cNvSpPr txBox="1"/>
-          <p:nvPr/>
-        </p:nvSpPr>
-        <p:spPr>
-          <a:xfrm>
-            <a:off x="9934997" y="1014542"/>
-            <a:ext cx="1807060" cy="373266"/>
-          </a:xfrm>
-          <a:prstGeom prst="rect">
-            <a:avLst/>
-          </a:prstGeom>
-          <a:noFill/>
-        </p:spPr>
-        <p:txBody>
-          <a:bodyPr wrap="square" rtlCol="0">
-            <a:spAutoFit/>
-          </a:bodyPr>
-          <a:lstStyle/>
-          <a:p>
-            <a:pPr algn="ctr"/>
-            <a:r>
-              <a:rPr lang="ko-KR" altLang="en-US" dirty="0"/>
-              <a:t>추</a:t>
-            </a:r>
-            <a:r>
-              <a:rPr lang="ko-KR" altLang="en-US" dirty="0" smtClean="0"/>
-              <a:t>후 </a:t>
-            </a:r>
-            <a:r>
-              <a:rPr lang="ko-KR" altLang="en-US" dirty="0"/>
-              <a:t>추가 예정</a:t>
-            </a:r>
-          </a:p>
-        </p:txBody>
-      </p:sp>
-      <p:sp>
-        <p:nvSpPr>
-          <p:cNvPr id="9" name="Slide Number Placeholder 8"/>
-          <p:cNvSpPr>
-            <a:spLocks noGrp="1"/>
-          </p:cNvSpPr>
-          <p:nvPr>
-            <p:ph type="sldNum" sz="quarter" idx="12"/>
-          </p:nvPr>
-        </p:nvSpPr>
-        <p:spPr/>
-        <p:txBody>
-          <a:bodyPr/>
-          <a:lstStyle/>
-          <a:p>
-            <a:fld id="{FBFC020C-1606-4BED-91BA-A6230104B3B1}" type="slidenum">
-              <a:rPr lang="ko-KR" altLang="en-US" smtClean="0"/>
-              <a:t>5</a:t>
-            </a:fld>
-            <a:endParaRPr lang="ko-KR" altLang="en-US"/>
-          </a:p>
-        </p:txBody>
-      </p:sp>
-    </p:spTree>
-    <p:extLst>
-      <p:ext uri="{BB962C8B-B14F-4D97-AF65-F5344CB8AC3E}">
-        <p14:creationId xmlns:p14="http://schemas.microsoft.com/office/powerpoint/2010/main" val="2668060877"/>
-      </p:ext>
-    </p:extLst>
-  </p:cSld>
-  <p:clrMapOvr>
-    <a:masterClrMapping/>
-  </p:clrMapOvr>
-  <p:timing>
-    <p:tnLst>
-      <p:par>
-        <p:cTn id="1" dur="indefinite" restart="never" nodeType="tmRoot"/>
-      </p:par>
-    </p:tnLst>
-  </p:timing>
-</p:sld>
-</file>
-
-<file path=ppt/slides/slide6.xml><?xml version="1.0" encoding="utf-8"?>
-<p:sld xmlns:a="http://schemas.openxmlformats.org/drawingml/2006/main" xmlns:r="http://schemas.openxmlformats.org/officeDocument/2006/relationships" xmlns:p="http://schemas.openxmlformats.org/presentationml/2006/main">
-  <p:cSld>
-    <p:spTree>
-      <p:nvGrpSpPr>
-        <p:cNvPr id="1" name=""/>
-        <p:cNvGrpSpPr/>
-        <p:nvPr/>
-      </p:nvGrpSpPr>
-      <p:grpSpPr>
-        <a:xfrm>
-          <a:off x="0" y="0"/>
-          <a:ext cx="0" cy="0"/>
-          <a:chOff x="0" y="0"/>
-          <a:chExt cx="0" cy="0"/>
-        </a:xfrm>
-      </p:grpSpPr>
-      <p:sp>
-        <p:nvSpPr>
-          <p:cNvPr id="2" name="제목 1"/>
-          <p:cNvSpPr>
-            <a:spLocks noGrp="1"/>
-          </p:cNvSpPr>
-          <p:nvPr>
-            <p:ph type="title"/>
-          </p:nvPr>
-        </p:nvSpPr>
-        <p:spPr/>
-        <p:txBody>
           <a:bodyPr>
             <a:normAutofit fontScale="90000"/>
           </a:bodyPr>
@@ -7863,7 +6332,7 @@
             </a:br>
             <a:r>
               <a:rPr lang="en-US" altLang="ko-KR" b="1" dirty="0" smtClean="0"/>
-              <a:t>3. </a:t>
+              <a:t>2. </a:t>
             </a:r>
             <a:r>
               <a:rPr lang="ko-KR" altLang="en-US" b="1" dirty="0" smtClean="0"/>
@@ -7897,7 +6366,7 @@
           <a:p>
             <a:fld id="{FBFC020C-1606-4BED-91BA-A6230104B3B1}" type="slidenum">
               <a:rPr lang="ko-KR" altLang="en-US" smtClean="0"/>
-              <a:t>6</a:t>
+              <a:t>5</a:t>
             </a:fld>
             <a:endParaRPr lang="ko-KR" altLang="en-US"/>
           </a:p>
@@ -8691,7 +7160,7 @@
 </p:sld>
 </file>
 
-<file path=ppt/slides/slide7.xml><?xml version="1.0" encoding="utf-8"?>
+<file path=ppt/slides/slide6.xml><?xml version="1.0" encoding="utf-8"?>
 <p:sld xmlns:a="http://schemas.openxmlformats.org/drawingml/2006/main" xmlns:r="http://schemas.openxmlformats.org/officeDocument/2006/relationships" xmlns:p="http://schemas.openxmlformats.org/presentationml/2006/main">
   <p:cSld>
     <p:spTree>
@@ -8734,7 +7203,7 @@
             </a:br>
             <a:r>
               <a:rPr lang="en-US" altLang="ko-KR" b="1" dirty="0" smtClean="0"/>
-              <a:t>4. </a:t>
+              <a:t>3. </a:t>
             </a:r>
             <a:r>
               <a:rPr lang="ko-KR" altLang="en-US" b="1" dirty="0" smtClean="0"/>
@@ -8772,7 +7241,7 @@
           <a:p>
             <a:fld id="{FBFC020C-1606-4BED-91BA-A6230104B3B1}" type="slidenum">
               <a:rPr lang="ko-KR" altLang="en-US" smtClean="0"/>
-              <a:t>7</a:t>
+              <a:t>6</a:t>
             </a:fld>
             <a:endParaRPr lang="ko-KR" altLang="en-US"/>
           </a:p>
@@ -9846,7 +8315,7 @@
 </p:sld>
 </file>
 
-<file path=ppt/slides/slide8.xml><?xml version="1.0" encoding="utf-8"?>
+<file path=ppt/slides/slide7.xml><?xml version="1.0" encoding="utf-8"?>
 <p:sld xmlns:a="http://schemas.openxmlformats.org/drawingml/2006/main" xmlns:r="http://schemas.openxmlformats.org/officeDocument/2006/relationships" xmlns:p="http://schemas.openxmlformats.org/presentationml/2006/main">
   <p:cSld>
     <p:spTree>
@@ -9865,6 +8334,57 @@
       </p:grpSpPr>
       <p:sp>
         <p:nvSpPr>
+          <p:cNvPr id="2" name="제목 1"/>
+          <p:cNvSpPr>
+            <a:spLocks noGrp="1"/>
+          </p:cNvSpPr>
+          <p:nvPr>
+            <p:ph type="title"/>
+          </p:nvPr>
+        </p:nvSpPr>
+        <p:spPr/>
+        <p:txBody>
+          <a:bodyPr>
+            <a:normAutofit fontScale="90000"/>
+          </a:bodyPr>
+          <a:lstStyle/>
+          <a:p>
+            <a:r>
+              <a:rPr lang="en-US" altLang="ko-KR" b="1" dirty="0"/>
+              <a:t/>
+            </a:r>
+            <a:br>
+              <a:rPr lang="en-US" altLang="ko-KR" b="1" dirty="0"/>
+            </a:br>
+            <a:r>
+              <a:rPr lang="en-US" altLang="ko-KR" b="1" dirty="0" smtClean="0"/>
+              <a:t>4. </a:t>
+            </a:r>
+            <a:r>
+              <a:rPr lang="ko-KR" altLang="en-US" b="1" dirty="0" smtClean="0"/>
+              <a:t>추후 보완</a:t>
+            </a:r>
+            <a:r>
+              <a:rPr lang="en-US" altLang="ko-KR" b="1" dirty="0" smtClean="0"/>
+              <a:t>,</a:t>
+            </a:r>
+            <a:r>
+              <a:rPr lang="ko-KR" altLang="en-US" b="1" dirty="0" smtClean="0"/>
+              <a:t>추가 개발점</a:t>
+            </a:r>
+            <a:r>
+              <a:rPr lang="en-US" altLang="ko-KR" b="1" dirty="0"/>
+              <a:t/>
+            </a:r>
+            <a:br>
+              <a:rPr lang="en-US" altLang="ko-KR" b="1" dirty="0"/>
+            </a:br>
+            <a:endParaRPr lang="ko-KR" altLang="en-US" dirty="0"/>
+          </a:p>
+        </p:txBody>
+      </p:sp>
+      <p:sp>
+        <p:nvSpPr>
           <p:cNvPr id="5" name="Slide Number Placeholder 4"/>
           <p:cNvSpPr>
             <a:spLocks noGrp="1"/>
@@ -9880,178 +8400,7 @@
           <a:p>
             <a:fld id="{FBFC020C-1606-4BED-91BA-A6230104B3B1}" type="slidenum">
               <a:rPr lang="ko-KR" altLang="en-US" smtClean="0"/>
-              <a:t>8</a:t>
-            </a:fld>
-            <a:endParaRPr lang="ko-KR" altLang="en-US"/>
-          </a:p>
-        </p:txBody>
-      </p:sp>
-      <p:sp>
-        <p:nvSpPr>
-          <p:cNvPr id="3" name="Title 2"/>
-          <p:cNvSpPr>
-            <a:spLocks noGrp="1"/>
-          </p:cNvSpPr>
-          <p:nvPr>
-            <p:ph type="title"/>
-          </p:nvPr>
-        </p:nvSpPr>
-        <p:spPr/>
-        <p:txBody>
-          <a:bodyPr/>
-          <a:lstStyle/>
-          <a:p>
-            <a:endParaRPr lang="ko-KR" altLang="en-US"/>
-          </a:p>
-        </p:txBody>
-      </p:sp>
-      <p:pic>
-        <p:nvPicPr>
-          <p:cNvPr id="17" name="Picture 2" descr="C:\Users\pc1\Desktop\1azz.png"/>
-          <p:cNvPicPr>
-            <a:picLocks noChangeAspect="1" noChangeArrowheads="1"/>
-          </p:cNvPicPr>
-          <p:nvPr/>
-        </p:nvPicPr>
-        <p:blipFill>
-          <a:blip r:embed="rId2">
-            <a:extLst>
-              <a:ext uri="{28A0092B-C50C-407E-A947-70E740481C1C}">
-                <a14:useLocalDpi xmlns:a14="http://schemas.microsoft.com/office/drawing/2010/main" val="0"/>
-              </a:ext>
-            </a:extLst>
-          </a:blip>
-          <a:srcRect/>
-          <a:stretch>
-            <a:fillRect/>
-          </a:stretch>
-        </p:blipFill>
-        <p:spPr bwMode="auto">
-          <a:xfrm>
-            <a:off x="131990" y="219260"/>
-            <a:ext cx="11928021" cy="6419481"/>
-          </a:xfrm>
-          <a:prstGeom prst="rect">
-            <a:avLst/>
-          </a:prstGeom>
-          <a:noFill/>
-          <a:extLst>
-            <a:ext uri="{909E8E84-426E-40DD-AFC4-6F175D3DCCD1}">
-              <a14:hiddenFill xmlns:a14="http://schemas.microsoft.com/office/drawing/2010/main">
-                <a:solidFill>
-                  <a:srgbClr val="FFFFFF"/>
-                </a:solidFill>
-              </a14:hiddenFill>
-            </a:ext>
-          </a:extLst>
-        </p:spPr>
-      </p:pic>
-    </p:spTree>
-    <p:extLst>
-      <p:ext uri="{BB962C8B-B14F-4D97-AF65-F5344CB8AC3E}">
-        <p14:creationId xmlns:p14="http://schemas.microsoft.com/office/powerpoint/2010/main" val="3070272668"/>
-      </p:ext>
-    </p:extLst>
-  </p:cSld>
-  <p:clrMapOvr>
-    <a:masterClrMapping/>
-  </p:clrMapOvr>
-  <p:timing>
-    <p:tnLst>
-      <p:par>
-        <p:cTn id="1" dur="indefinite" restart="never" nodeType="tmRoot"/>
-      </p:par>
-    </p:tnLst>
-  </p:timing>
-</p:sld>
-</file>
-
-<file path=ppt/slides/slide9.xml><?xml version="1.0" encoding="utf-8"?>
-<p:sld xmlns:a="http://schemas.openxmlformats.org/drawingml/2006/main" xmlns:r="http://schemas.openxmlformats.org/officeDocument/2006/relationships" xmlns:p="http://schemas.openxmlformats.org/presentationml/2006/main">
-  <p:cSld>
-    <p:spTree>
-      <p:nvGrpSpPr>
-        <p:cNvPr id="1" name=""/>
-        <p:cNvGrpSpPr/>
-        <p:nvPr/>
-      </p:nvGrpSpPr>
-      <p:grpSpPr>
-        <a:xfrm>
-          <a:off x="0" y="0"/>
-          <a:ext cx="0" cy="0"/>
-          <a:chOff x="0" y="0"/>
-          <a:chExt cx="0" cy="0"/>
-        </a:xfrm>
-      </p:grpSpPr>
-      <p:sp>
-        <p:nvSpPr>
-          <p:cNvPr id="2" name="제목 1"/>
-          <p:cNvSpPr>
-            <a:spLocks noGrp="1"/>
-          </p:cNvSpPr>
-          <p:nvPr>
-            <p:ph type="title"/>
-          </p:nvPr>
-        </p:nvSpPr>
-        <p:spPr/>
-        <p:txBody>
-          <a:bodyPr>
-            <a:normAutofit fontScale="90000"/>
-          </a:bodyPr>
-          <a:lstStyle/>
-          <a:p>
-            <a:r>
-              <a:rPr lang="en-US" altLang="ko-KR" b="1" dirty="0"/>
-              <a:t/>
-            </a:r>
-            <a:br>
-              <a:rPr lang="en-US" altLang="ko-KR" b="1" dirty="0"/>
-            </a:br>
-            <a:r>
-              <a:rPr lang="en-US" altLang="ko-KR" b="1" dirty="0" smtClean="0"/>
-              <a:t>5. </a:t>
-            </a:r>
-            <a:r>
-              <a:rPr lang="ko-KR" altLang="en-US" b="1" dirty="0" smtClean="0"/>
-              <a:t>추후 보완</a:t>
-            </a:r>
-            <a:r>
-              <a:rPr lang="en-US" altLang="ko-KR" b="1" dirty="0" smtClean="0"/>
-              <a:t>,</a:t>
-            </a:r>
-            <a:r>
-              <a:rPr lang="ko-KR" altLang="en-US" b="1" dirty="0" smtClean="0"/>
-              <a:t>추가 개발점</a:t>
-            </a:r>
-            <a:r>
-              <a:rPr lang="en-US" altLang="ko-KR" b="1" dirty="0"/>
-              <a:t/>
-            </a:r>
-            <a:br>
-              <a:rPr lang="en-US" altLang="ko-KR" b="1" dirty="0"/>
-            </a:br>
-            <a:endParaRPr lang="ko-KR" altLang="en-US" dirty="0"/>
-          </a:p>
-        </p:txBody>
-      </p:sp>
-      <p:sp>
-        <p:nvSpPr>
-          <p:cNvPr id="5" name="Slide Number Placeholder 4"/>
-          <p:cNvSpPr>
-            <a:spLocks noGrp="1"/>
-          </p:cNvSpPr>
-          <p:nvPr>
-            <p:ph type="sldNum" sz="quarter" idx="12"/>
-          </p:nvPr>
-        </p:nvSpPr>
-        <p:spPr/>
-        <p:txBody>
-          <a:bodyPr/>
-          <a:lstStyle/>
-          <a:p>
-            <a:fld id="{FBFC020C-1606-4BED-91BA-A6230104B3B1}" type="slidenum">
-              <a:rPr lang="ko-KR" altLang="en-US" smtClean="0"/>
-              <a:t>9</a:t>
+              <a:t>7</a:t>
             </a:fld>
             <a:endParaRPr lang="ko-KR" altLang="en-US"/>
           </a:p>
@@ -10979,6 +9328,801 @@
     <p:extLst>
       <p:ext uri="{BB962C8B-B14F-4D97-AF65-F5344CB8AC3E}">
         <p14:creationId xmlns:p14="http://schemas.microsoft.com/office/powerpoint/2010/main" val="3870136359"/>
+      </p:ext>
+    </p:extLst>
+  </p:cSld>
+  <p:clrMapOvr>
+    <a:masterClrMapping/>
+  </p:clrMapOvr>
+  <p:timing>
+    <p:tnLst>
+      <p:par>
+        <p:cTn id="1" dur="indefinite" restart="never" nodeType="tmRoot"/>
+      </p:par>
+    </p:tnLst>
+  </p:timing>
+</p:sld>
+</file>
+
+<file path=ppt/slides/slide8.xml><?xml version="1.0" encoding="utf-8"?>
+<p:sld xmlns:a="http://schemas.openxmlformats.org/drawingml/2006/main" xmlns:r="http://schemas.openxmlformats.org/officeDocument/2006/relationships" xmlns:p="http://schemas.openxmlformats.org/presentationml/2006/main">
+  <p:cSld>
+    <p:spTree>
+      <p:nvGrpSpPr>
+        <p:cNvPr id="1" name=""/>
+        <p:cNvGrpSpPr/>
+        <p:nvPr/>
+      </p:nvGrpSpPr>
+      <p:grpSpPr>
+        <a:xfrm>
+          <a:off x="0" y="0"/>
+          <a:ext cx="0" cy="0"/>
+          <a:chOff x="0" y="0"/>
+          <a:chExt cx="0" cy="0"/>
+        </a:xfrm>
+      </p:grpSpPr>
+      <p:sp>
+        <p:nvSpPr>
+          <p:cNvPr id="2" name="제목 1"/>
+          <p:cNvSpPr>
+            <a:spLocks noGrp="1"/>
+          </p:cNvSpPr>
+          <p:nvPr>
+            <p:ph type="title"/>
+          </p:nvPr>
+        </p:nvSpPr>
+        <p:spPr/>
+        <p:txBody>
+          <a:bodyPr>
+            <a:normAutofit fontScale="90000"/>
+          </a:bodyPr>
+          <a:lstStyle/>
+          <a:p>
+            <a:r>
+              <a:rPr lang="en-US" altLang="ko-KR" b="1" dirty="0"/>
+              <a:t/>
+            </a:r>
+            <a:br>
+              <a:rPr lang="en-US" altLang="ko-KR" b="1" dirty="0"/>
+            </a:br>
+            <a:r>
+              <a:rPr lang="en-US" altLang="ko-KR" b="1" dirty="0" smtClean="0"/>
+              <a:t>5. </a:t>
+            </a:r>
+            <a:r>
+              <a:rPr lang="ko-KR" altLang="en-US" b="1" dirty="0"/>
+              <a:t>개발 환경</a:t>
+            </a:r>
+            <a:r>
+              <a:rPr lang="en-US" altLang="ko-KR" b="1" dirty="0"/>
+              <a:t/>
+            </a:r>
+            <a:br>
+              <a:rPr lang="en-US" altLang="ko-KR" b="1" dirty="0"/>
+            </a:br>
+            <a:endParaRPr lang="ko-KR" altLang="en-US" dirty="0"/>
+          </a:p>
+        </p:txBody>
+      </p:sp>
+      <p:sp>
+        <p:nvSpPr>
+          <p:cNvPr id="3" name="내용 개체 틀 2"/>
+          <p:cNvSpPr>
+            <a:spLocks noGrp="1"/>
+          </p:cNvSpPr>
+          <p:nvPr>
+            <p:ph idx="1"/>
+          </p:nvPr>
+        </p:nvSpPr>
+        <p:spPr/>
+        <p:txBody>
+          <a:bodyPr/>
+          <a:lstStyle/>
+          <a:p>
+            <a:endParaRPr lang="en-US" altLang="ko-KR" dirty="0"/>
+          </a:p>
+          <a:p>
+            <a:endParaRPr lang="en-US" altLang="ko-KR" dirty="0"/>
+          </a:p>
+          <a:p>
+            <a:pPr marL="0" indent="0">
+              <a:buNone/>
+            </a:pPr>
+            <a:endParaRPr lang="en-US" altLang="ko-KR" dirty="0"/>
+          </a:p>
+        </p:txBody>
+      </p:sp>
+      <p:grpSp>
+        <p:nvGrpSpPr>
+          <p:cNvPr id="5" name="Group 4"/>
+          <p:cNvGrpSpPr/>
+          <p:nvPr/>
+        </p:nvGrpSpPr>
+        <p:grpSpPr>
+          <a:xfrm>
+            <a:off x="1852196" y="4571255"/>
+            <a:ext cx="2882520" cy="1444926"/>
+            <a:chOff x="160663" y="4533987"/>
+            <a:chExt cx="2882520" cy="1444926"/>
+          </a:xfrm>
+        </p:grpSpPr>
+        <p:pic>
+          <p:nvPicPr>
+            <p:cNvPr id="6" name="Picture 5"/>
+            <p:cNvPicPr>
+              <a:picLocks noChangeAspect="1"/>
+            </p:cNvPicPr>
+            <p:nvPr/>
+          </p:nvPicPr>
+          <p:blipFill>
+            <a:blip r:embed="rId2" cstate="print">
+              <a:extLst>
+                <a:ext uri="{28A0092B-C50C-407E-A947-70E740481C1C}">
+                  <a14:useLocalDpi xmlns:a14="http://schemas.microsoft.com/office/drawing/2010/main" val="0"/>
+                </a:ext>
+              </a:extLst>
+            </a:blip>
+            <a:stretch>
+              <a:fillRect/>
+            </a:stretch>
+          </p:blipFill>
+          <p:spPr>
+            <a:xfrm>
+              <a:off x="652282" y="4533987"/>
+              <a:ext cx="1899283" cy="920705"/>
+            </a:xfrm>
+            <a:prstGeom prst="rect">
+              <a:avLst/>
+            </a:prstGeom>
+          </p:spPr>
+        </p:pic>
+        <p:sp>
+          <p:nvSpPr>
+            <p:cNvPr id="7" name="Rectangle 6"/>
+            <p:cNvSpPr/>
+            <p:nvPr/>
+          </p:nvSpPr>
+          <p:spPr>
+            <a:xfrm>
+              <a:off x="160663" y="5671136"/>
+              <a:ext cx="2882520" cy="307777"/>
+            </a:xfrm>
+            <a:prstGeom prst="rect">
+              <a:avLst/>
+            </a:prstGeom>
+          </p:spPr>
+          <p:txBody>
+            <a:bodyPr wrap="none">
+              <a:spAutoFit/>
+            </a:bodyPr>
+            <a:lstStyle/>
+            <a:p>
+              <a:r>
+                <a:rPr lang="en-US" altLang="ko-KR" sz="1400" dirty="0"/>
+                <a:t>https://ko.wikipedia.org/wiki/PHP</a:t>
+              </a:r>
+              <a:endParaRPr lang="ko-KR" altLang="en-US" sz="1400" dirty="0"/>
+            </a:p>
+          </p:txBody>
+        </p:sp>
+      </p:grpSp>
+      <p:grpSp>
+        <p:nvGrpSpPr>
+          <p:cNvPr id="8" name="Group 7"/>
+          <p:cNvGrpSpPr/>
+          <p:nvPr/>
+        </p:nvGrpSpPr>
+        <p:grpSpPr>
+          <a:xfrm>
+            <a:off x="1828842" y="2415768"/>
+            <a:ext cx="2745727" cy="1275550"/>
+            <a:chOff x="229059" y="2359484"/>
+            <a:chExt cx="2745727" cy="1275550"/>
+          </a:xfrm>
+        </p:grpSpPr>
+        <p:pic>
+          <p:nvPicPr>
+            <p:cNvPr id="9" name="Picture 8"/>
+            <p:cNvPicPr>
+              <a:picLocks noChangeAspect="1"/>
+            </p:cNvPicPr>
+            <p:nvPr/>
+          </p:nvPicPr>
+          <p:blipFill>
+            <a:blip r:embed="rId3" cstate="print">
+              <a:extLst>
+                <a:ext uri="{28A0092B-C50C-407E-A947-70E740481C1C}">
+                  <a14:useLocalDpi xmlns:a14="http://schemas.microsoft.com/office/drawing/2010/main" val="0"/>
+                </a:ext>
+              </a:extLst>
+            </a:blip>
+            <a:stretch>
+              <a:fillRect/>
+            </a:stretch>
+          </p:blipFill>
+          <p:spPr>
+            <a:xfrm>
+              <a:off x="229059" y="2359484"/>
+              <a:ext cx="2745727" cy="823718"/>
+            </a:xfrm>
+            <a:prstGeom prst="rect">
+              <a:avLst/>
+            </a:prstGeom>
+          </p:spPr>
+        </p:pic>
+        <p:sp>
+          <p:nvSpPr>
+            <p:cNvPr id="10" name="Rectangle 9"/>
+            <p:cNvSpPr/>
+            <p:nvPr/>
+          </p:nvSpPr>
+          <p:spPr>
+            <a:xfrm>
+              <a:off x="359911" y="3327257"/>
+              <a:ext cx="2484022" cy="307777"/>
+            </a:xfrm>
+            <a:prstGeom prst="rect">
+              <a:avLst/>
+            </a:prstGeom>
+          </p:spPr>
+          <p:txBody>
+            <a:bodyPr wrap="square">
+              <a:spAutoFit/>
+            </a:bodyPr>
+            <a:lstStyle/>
+            <a:p>
+              <a:r>
+                <a:rPr lang="en-US" altLang="ko-KR" sz="1400" dirty="0"/>
+                <a:t>http://unity3d.com/kr/unity</a:t>
+              </a:r>
+              <a:endParaRPr lang="ko-KR" altLang="en-US" sz="1400" dirty="0"/>
+            </a:p>
+          </p:txBody>
+        </p:sp>
+      </p:grpSp>
+      <p:grpSp>
+        <p:nvGrpSpPr>
+          <p:cNvPr id="11" name="Group 10"/>
+          <p:cNvGrpSpPr/>
+          <p:nvPr/>
+        </p:nvGrpSpPr>
+        <p:grpSpPr>
+          <a:xfrm>
+            <a:off x="5056357" y="1656967"/>
+            <a:ext cx="2556285" cy="1388360"/>
+            <a:chOff x="3585723" y="2246674"/>
+            <a:chExt cx="2556285" cy="1388360"/>
+          </a:xfrm>
+        </p:grpSpPr>
+        <p:pic>
+          <p:nvPicPr>
+            <p:cNvPr id="12" name="Picture 11"/>
+            <p:cNvPicPr>
+              <a:picLocks noChangeAspect="1"/>
+            </p:cNvPicPr>
+            <p:nvPr/>
+          </p:nvPicPr>
+          <p:blipFill>
+            <a:blip r:embed="rId4">
+              <a:extLst>
+                <a:ext uri="{28A0092B-C50C-407E-A947-70E740481C1C}">
+                  <a14:useLocalDpi xmlns:a14="http://schemas.microsoft.com/office/drawing/2010/main" val="0"/>
+                </a:ext>
+              </a:extLst>
+            </a:blip>
+            <a:stretch>
+              <a:fillRect/>
+            </a:stretch>
+          </p:blipFill>
+          <p:spPr>
+            <a:xfrm>
+              <a:off x="3585723" y="2246674"/>
+              <a:ext cx="2556285" cy="1049339"/>
+            </a:xfrm>
+            <a:prstGeom prst="rect">
+              <a:avLst/>
+            </a:prstGeom>
+          </p:spPr>
+        </p:pic>
+        <p:sp>
+          <p:nvSpPr>
+            <p:cNvPr id="13" name="Rectangle 12"/>
+            <p:cNvSpPr/>
+            <p:nvPr/>
+          </p:nvSpPr>
+          <p:spPr>
+            <a:xfrm>
+              <a:off x="3671167" y="3327257"/>
+              <a:ext cx="2385397" cy="307777"/>
+            </a:xfrm>
+            <a:prstGeom prst="rect">
+              <a:avLst/>
+            </a:prstGeom>
+          </p:spPr>
+          <p:txBody>
+            <a:bodyPr wrap="none">
+              <a:spAutoFit/>
+            </a:bodyPr>
+            <a:lstStyle/>
+            <a:p>
+              <a:r>
+                <a:rPr lang="en-US" altLang="ko-KR" sz="1400" dirty="0"/>
+                <a:t>http://www.minddesk.com/</a:t>
+              </a:r>
+              <a:endParaRPr lang="ko-KR" altLang="en-US" sz="1400" dirty="0"/>
+            </a:p>
+          </p:txBody>
+        </p:sp>
+      </p:grpSp>
+      <p:grpSp>
+        <p:nvGrpSpPr>
+          <p:cNvPr id="14" name="Group 13"/>
+          <p:cNvGrpSpPr/>
+          <p:nvPr/>
+        </p:nvGrpSpPr>
+        <p:grpSpPr>
+          <a:xfrm>
+            <a:off x="7758165" y="2267987"/>
+            <a:ext cx="2427268" cy="1571112"/>
+            <a:chOff x="6382701" y="2063922"/>
+            <a:chExt cx="2427268" cy="1571112"/>
+          </a:xfrm>
+        </p:grpSpPr>
+        <p:pic>
+          <p:nvPicPr>
+            <p:cNvPr id="15" name="Picture 14"/>
+            <p:cNvPicPr>
+              <a:picLocks noChangeAspect="1"/>
+            </p:cNvPicPr>
+            <p:nvPr/>
+          </p:nvPicPr>
+          <p:blipFill>
+            <a:blip r:embed="rId5">
+              <a:extLst>
+                <a:ext uri="{28A0092B-C50C-407E-A947-70E740481C1C}">
+                  <a14:useLocalDpi xmlns:a14="http://schemas.microsoft.com/office/drawing/2010/main" val="0"/>
+                </a:ext>
+              </a:extLst>
+            </a:blip>
+            <a:stretch>
+              <a:fillRect/>
+            </a:stretch>
+          </p:blipFill>
+          <p:spPr>
+            <a:xfrm>
+              <a:off x="6980290" y="2063922"/>
+              <a:ext cx="1232091" cy="1232091"/>
+            </a:xfrm>
+            <a:prstGeom prst="rect">
+              <a:avLst/>
+            </a:prstGeom>
+          </p:spPr>
+        </p:pic>
+        <p:sp>
+          <p:nvSpPr>
+            <p:cNvPr id="16" name="Rectangle 15"/>
+            <p:cNvSpPr/>
+            <p:nvPr/>
+          </p:nvSpPr>
+          <p:spPr>
+            <a:xfrm>
+              <a:off x="6382701" y="3327257"/>
+              <a:ext cx="2427268" cy="307777"/>
+            </a:xfrm>
+            <a:prstGeom prst="rect">
+              <a:avLst/>
+            </a:prstGeom>
+          </p:spPr>
+          <p:txBody>
+            <a:bodyPr wrap="none">
+              <a:spAutoFit/>
+            </a:bodyPr>
+            <a:lstStyle/>
+            <a:p>
+              <a:r>
+                <a:rPr lang="en-US" altLang="ko-KR" sz="1400" dirty="0"/>
+                <a:t>http://www.ibm.com/us-en/</a:t>
+              </a:r>
+              <a:endParaRPr lang="ko-KR" altLang="en-US" sz="1400" dirty="0"/>
+            </a:p>
+          </p:txBody>
+        </p:sp>
+      </p:grpSp>
+      <p:grpSp>
+        <p:nvGrpSpPr>
+          <p:cNvPr id="20" name="Group 19"/>
+          <p:cNvGrpSpPr/>
+          <p:nvPr/>
+        </p:nvGrpSpPr>
+        <p:grpSpPr>
+          <a:xfrm>
+            <a:off x="7995154" y="4504051"/>
+            <a:ext cx="2145139" cy="1579335"/>
+            <a:chOff x="6439007" y="4374278"/>
+            <a:chExt cx="2145139" cy="1579335"/>
+          </a:xfrm>
+        </p:grpSpPr>
+        <p:pic>
+          <p:nvPicPr>
+            <p:cNvPr id="21" name="Picture 20"/>
+            <p:cNvPicPr>
+              <a:picLocks noChangeAspect="1"/>
+            </p:cNvPicPr>
+            <p:nvPr/>
+          </p:nvPicPr>
+          <p:blipFill>
+            <a:blip r:embed="rId6">
+              <a:extLst>
+                <a:ext uri="{28A0092B-C50C-407E-A947-70E740481C1C}">
+                  <a14:useLocalDpi xmlns:a14="http://schemas.microsoft.com/office/drawing/2010/main" val="0"/>
+                </a:ext>
+              </a:extLst>
+            </a:blip>
+            <a:stretch>
+              <a:fillRect/>
+            </a:stretch>
+          </p:blipFill>
+          <p:spPr>
+            <a:xfrm>
+              <a:off x="6467460" y="4374278"/>
+              <a:ext cx="2088232" cy="1080414"/>
+            </a:xfrm>
+            <a:prstGeom prst="rect">
+              <a:avLst/>
+            </a:prstGeom>
+          </p:spPr>
+        </p:pic>
+        <p:sp>
+          <p:nvSpPr>
+            <p:cNvPr id="22" name="Rectangle 21"/>
+            <p:cNvSpPr/>
+            <p:nvPr/>
+          </p:nvSpPr>
+          <p:spPr>
+            <a:xfrm>
+              <a:off x="6439007" y="5645836"/>
+              <a:ext cx="2145139" cy="307777"/>
+            </a:xfrm>
+            <a:prstGeom prst="rect">
+              <a:avLst/>
+            </a:prstGeom>
+          </p:spPr>
+          <p:txBody>
+            <a:bodyPr wrap="none">
+              <a:spAutoFit/>
+            </a:bodyPr>
+            <a:lstStyle/>
+            <a:p>
+              <a:r>
+                <a:rPr lang="en-US" altLang="ko-KR" sz="1400" dirty="0"/>
+                <a:t>https://www.mysql.com/</a:t>
+              </a:r>
+              <a:endParaRPr lang="ko-KR" altLang="en-US" sz="1400" dirty="0"/>
+            </a:p>
+          </p:txBody>
+        </p:sp>
+      </p:grpSp>
+      <p:grpSp>
+        <p:nvGrpSpPr>
+          <p:cNvPr id="23" name="Group 22"/>
+          <p:cNvGrpSpPr/>
+          <p:nvPr/>
+        </p:nvGrpSpPr>
+        <p:grpSpPr>
+          <a:xfrm>
+            <a:off x="4379947" y="3173433"/>
+            <a:ext cx="3583673" cy="1810072"/>
+            <a:chOff x="5594668" y="76064"/>
+            <a:chExt cx="3583673" cy="1810072"/>
+          </a:xfrm>
+        </p:grpSpPr>
+        <p:pic>
+          <p:nvPicPr>
+            <p:cNvPr id="24" name="Picture 23"/>
+            <p:cNvPicPr>
+              <a:picLocks noChangeAspect="1"/>
+            </p:cNvPicPr>
+            <p:nvPr/>
+          </p:nvPicPr>
+          <p:blipFill>
+            <a:blip r:embed="rId7" cstate="print">
+              <a:extLst>
+                <a:ext uri="{28A0092B-C50C-407E-A947-70E740481C1C}">
+                  <a14:useLocalDpi xmlns:a14="http://schemas.microsoft.com/office/drawing/2010/main" val="0"/>
+                </a:ext>
+              </a:extLst>
+            </a:blip>
+            <a:stretch>
+              <a:fillRect/>
+            </a:stretch>
+          </p:blipFill>
+          <p:spPr>
+            <a:xfrm>
+              <a:off x="6558412" y="76064"/>
+              <a:ext cx="1656184" cy="1656184"/>
+            </a:xfrm>
+            <a:prstGeom prst="rect">
+              <a:avLst/>
+            </a:prstGeom>
+          </p:spPr>
+        </p:pic>
+        <p:sp>
+          <p:nvSpPr>
+            <p:cNvPr id="25" name="Rectangle 24"/>
+            <p:cNvSpPr/>
+            <p:nvPr/>
+          </p:nvSpPr>
+          <p:spPr>
+            <a:xfrm>
+              <a:off x="5594668" y="1578359"/>
+              <a:ext cx="3583673" cy="307777"/>
+            </a:xfrm>
+            <a:prstGeom prst="rect">
+              <a:avLst/>
+            </a:prstGeom>
+          </p:spPr>
+          <p:txBody>
+            <a:bodyPr wrap="none">
+              <a:spAutoFit/>
+            </a:bodyPr>
+            <a:lstStyle/>
+            <a:p>
+              <a:r>
+                <a:rPr lang="en-US" altLang="ko-KR" sz="1400" dirty="0"/>
+                <a:t>http://www.microsoft.com/en-us/windows</a:t>
+              </a:r>
+              <a:endParaRPr lang="ko-KR" altLang="en-US" sz="1400" dirty="0"/>
+            </a:p>
+          </p:txBody>
+        </p:sp>
+      </p:grpSp>
+      <p:pic>
+        <p:nvPicPr>
+          <p:cNvPr id="4" name="Picture 3"/>
+          <p:cNvPicPr>
+            <a:picLocks noChangeAspect="1"/>
+          </p:cNvPicPr>
+          <p:nvPr/>
+        </p:nvPicPr>
+        <p:blipFill>
+          <a:blip r:embed="rId8" cstate="print">
+            <a:extLst>
+              <a:ext uri="{28A0092B-C50C-407E-A947-70E740481C1C}">
+                <a14:useLocalDpi xmlns:a14="http://schemas.microsoft.com/office/drawing/2010/main" val="0"/>
+              </a:ext>
+            </a:extLst>
+          </a:blip>
+          <a:stretch>
+            <a:fillRect/>
+          </a:stretch>
+        </p:blipFill>
+        <p:spPr>
+          <a:xfrm>
+            <a:off x="4856513" y="5226290"/>
+            <a:ext cx="2963949" cy="1098637"/>
+          </a:xfrm>
+          <a:prstGeom prst="rect">
+            <a:avLst/>
+          </a:prstGeom>
+        </p:spPr>
+      </p:pic>
+      <p:sp>
+        <p:nvSpPr>
+          <p:cNvPr id="26" name="Rectangle 25"/>
+          <p:cNvSpPr/>
+          <p:nvPr/>
+        </p:nvSpPr>
+        <p:spPr>
+          <a:xfrm>
+            <a:off x="5196825" y="6236093"/>
+            <a:ext cx="2173095" cy="338554"/>
+          </a:xfrm>
+          <a:prstGeom prst="rect">
+            <a:avLst/>
+          </a:prstGeom>
+        </p:spPr>
+        <p:txBody>
+          <a:bodyPr wrap="none">
+            <a:spAutoFit/>
+          </a:bodyPr>
+          <a:lstStyle/>
+          <a:p>
+            <a:r>
+              <a:rPr lang="en-US" altLang="ko-KR" sz="1600" dirty="0"/>
+              <a:t>https://bitbucket.org/</a:t>
+            </a:r>
+            <a:endParaRPr lang="ko-KR" altLang="en-US" sz="1600" dirty="0"/>
+          </a:p>
+        </p:txBody>
+      </p:sp>
+      <p:sp>
+        <p:nvSpPr>
+          <p:cNvPr id="18" name="Slide Number Placeholder 17"/>
+          <p:cNvSpPr>
+            <a:spLocks noGrp="1"/>
+          </p:cNvSpPr>
+          <p:nvPr>
+            <p:ph type="sldNum" sz="quarter" idx="12"/>
+          </p:nvPr>
+        </p:nvSpPr>
+        <p:spPr/>
+        <p:txBody>
+          <a:bodyPr/>
+          <a:lstStyle/>
+          <a:p>
+            <a:fld id="{FBFC020C-1606-4BED-91BA-A6230104B3B1}" type="slidenum">
+              <a:rPr lang="ko-KR" altLang="en-US" smtClean="0"/>
+              <a:t>8</a:t>
+            </a:fld>
+            <a:endParaRPr lang="ko-KR" altLang="en-US"/>
+          </a:p>
+        </p:txBody>
+      </p:sp>
+    </p:spTree>
+    <p:extLst>
+      <p:ext uri="{BB962C8B-B14F-4D97-AF65-F5344CB8AC3E}">
+        <p14:creationId xmlns:p14="http://schemas.microsoft.com/office/powerpoint/2010/main" val="1270315708"/>
+      </p:ext>
+    </p:extLst>
+  </p:cSld>
+  <p:clrMapOvr>
+    <a:masterClrMapping/>
+  </p:clrMapOvr>
+  <p:timing>
+    <p:tnLst>
+      <p:par>
+        <p:cTn id="1" dur="indefinite" restart="never" nodeType="tmRoot"/>
+      </p:par>
+    </p:tnLst>
+  </p:timing>
+</p:sld>
+</file>
+
+<file path=ppt/slides/slide9.xml><?xml version="1.0" encoding="utf-8"?>
+<p:sld xmlns:a="http://schemas.openxmlformats.org/drawingml/2006/main" xmlns:r="http://schemas.openxmlformats.org/officeDocument/2006/relationships" xmlns:p="http://schemas.openxmlformats.org/presentationml/2006/main">
+  <p:cSld>
+    <p:spTree>
+      <p:nvGrpSpPr>
+        <p:cNvPr id="1" name=""/>
+        <p:cNvGrpSpPr/>
+        <p:nvPr/>
+      </p:nvGrpSpPr>
+      <p:grpSpPr>
+        <a:xfrm>
+          <a:off x="0" y="0"/>
+          <a:ext cx="0" cy="0"/>
+          <a:chOff x="0" y="0"/>
+          <a:chExt cx="0" cy="0"/>
+        </a:xfrm>
+      </p:grpSpPr>
+      <p:sp>
+        <p:nvSpPr>
+          <p:cNvPr id="2" name="제목 1"/>
+          <p:cNvSpPr>
+            <a:spLocks noGrp="1"/>
+          </p:cNvSpPr>
+          <p:nvPr>
+            <p:ph type="title"/>
+          </p:nvPr>
+        </p:nvSpPr>
+        <p:spPr/>
+        <p:txBody>
+          <a:bodyPr>
+            <a:normAutofit fontScale="90000"/>
+          </a:bodyPr>
+          <a:lstStyle/>
+          <a:p>
+            <a:r>
+              <a:rPr lang="en-US" altLang="ko-KR" b="1" dirty="0"/>
+              <a:t/>
+            </a:r>
+            <a:br>
+              <a:rPr lang="en-US" altLang="ko-KR" b="1" dirty="0"/>
+            </a:br>
+            <a:r>
+              <a:rPr lang="en-US" altLang="ko-KR" b="1" dirty="0" smtClean="0"/>
+              <a:t>6. </a:t>
+            </a:r>
+            <a:r>
+              <a:rPr lang="ko-KR" altLang="en-US" b="1" dirty="0"/>
+              <a:t>개발 일정</a:t>
+            </a:r>
+            <a:r>
+              <a:rPr lang="en-US" altLang="ko-KR" b="1" dirty="0"/>
+              <a:t/>
+            </a:r>
+            <a:br>
+              <a:rPr lang="en-US" altLang="ko-KR" b="1" dirty="0"/>
+            </a:br>
+            <a:endParaRPr lang="ko-KR" altLang="en-US" dirty="0"/>
+          </a:p>
+        </p:txBody>
+      </p:sp>
+      <p:sp>
+        <p:nvSpPr>
+          <p:cNvPr id="3" name="내용 개체 틀 2"/>
+          <p:cNvSpPr>
+            <a:spLocks noGrp="1"/>
+          </p:cNvSpPr>
+          <p:nvPr>
+            <p:ph idx="1"/>
+          </p:nvPr>
+        </p:nvSpPr>
+        <p:spPr/>
+        <p:txBody>
+          <a:bodyPr/>
+          <a:lstStyle/>
+          <a:p>
+            <a:endParaRPr lang="en-US" altLang="ko-KR" dirty="0"/>
+          </a:p>
+          <a:p>
+            <a:endParaRPr lang="en-US" altLang="ko-KR" dirty="0"/>
+          </a:p>
+          <a:p>
+            <a:pPr marL="0" indent="0">
+              <a:buNone/>
+            </a:pPr>
+            <a:endParaRPr lang="en-US" altLang="ko-KR" dirty="0"/>
+          </a:p>
+        </p:txBody>
+      </p:sp>
+      <p:sp>
+        <p:nvSpPr>
+          <p:cNvPr id="5" name="Slide Number Placeholder 4"/>
+          <p:cNvSpPr>
+            <a:spLocks noGrp="1"/>
+          </p:cNvSpPr>
+          <p:nvPr>
+            <p:ph type="sldNum" sz="quarter" idx="12"/>
+          </p:nvPr>
+        </p:nvSpPr>
+        <p:spPr/>
+        <p:txBody>
+          <a:bodyPr/>
+          <a:lstStyle/>
+          <a:p>
+            <a:fld id="{FBFC020C-1606-4BED-91BA-A6230104B3B1}" type="slidenum">
+              <a:rPr lang="ko-KR" altLang="en-US" smtClean="0"/>
+              <a:t>9</a:t>
+            </a:fld>
+            <a:endParaRPr lang="ko-KR" altLang="en-US"/>
+          </a:p>
+        </p:txBody>
+      </p:sp>
+      <p:pic>
+        <p:nvPicPr>
+          <p:cNvPr id="7" name="Picture 6"/>
+          <p:cNvPicPr>
+            <a:picLocks noChangeAspect="1"/>
+          </p:cNvPicPr>
+          <p:nvPr/>
+        </p:nvPicPr>
+        <p:blipFill>
+          <a:blip r:embed="rId2">
+            <a:extLst>
+              <a:ext uri="{28A0092B-C50C-407E-A947-70E740481C1C}">
+                <a14:useLocalDpi xmlns:a14="http://schemas.microsoft.com/office/drawing/2010/main" val="0"/>
+              </a:ext>
+            </a:extLst>
+          </a:blip>
+          <a:stretch>
+            <a:fillRect/>
+          </a:stretch>
+        </p:blipFill>
+        <p:spPr>
+          <a:xfrm>
+            <a:off x="1022637" y="1510393"/>
+            <a:ext cx="10146726" cy="4743450"/>
+          </a:xfrm>
+          <a:prstGeom prst="rect">
+            <a:avLst/>
+          </a:prstGeom>
+        </p:spPr>
+      </p:pic>
+    </p:spTree>
+    <p:extLst>
+      <p:ext uri="{BB962C8B-B14F-4D97-AF65-F5344CB8AC3E}">
+        <p14:creationId xmlns:p14="http://schemas.microsoft.com/office/powerpoint/2010/main" val="1218757221"/>
       </p:ext>
     </p:extLst>
   </p:cSld>
@@ -11284,7 +10428,7 @@
   <a:extraClrSchemeLst/>
   <a:extLst>
     <a:ext uri="{05A4C25C-085E-4340-85A3-A5531E510DB2}">
-      <thm15:themeFamily xmlns="" xmlns:thm15="http://schemas.microsoft.com/office/thememl/2012/main" name="Office Theme" id="{62F939B6-93AF-4DB8-9C6B-D6C7DFDC589F}" vid="{4A3C46E8-61CC-4603-A589-7422A47A8E4A}"/>
+      <thm15:themeFamily xmlns:thm15="http://schemas.microsoft.com/office/thememl/2012/main" xmlns="" name="Office Theme" id="{62F939B6-93AF-4DB8-9C6B-D6C7DFDC589F}" vid="{4A3C46E8-61CC-4603-A589-7422A47A8E4A}"/>
     </a:ext>
   </a:extLst>
 </a:theme>
